--- a/figures/ch6/New Microsoft PowerPoint Presentation.pptx
+++ b/figures/ch6/New Microsoft PowerPoint Presentation.pptx
@@ -6,6 +6,7 @@
   </p:sldMasterIdLst>
   <p:sldIdLst>
     <p:sldId id="256" r:id="rId2"/>
+    <p:sldId id="257" r:id="rId3"/>
   </p:sldIdLst>
   <p:sldSz cx="12192000" cy="6858000"/>
   <p:notesSz cx="6858000" cy="9144000"/>
@@ -104,6 +105,11 @@
       </a:defRPr>
     </a:lvl9pPr>
   </p:defaultTextStyle>
+  <p:extLst>
+    <p:ext uri="{EFAFB233-063F-42B5-8137-9DF3F51BA10A}">
+      <p15:sldGuideLst xmlns:p15="http://schemas.microsoft.com/office/powerpoint/2012/main"/>
+    </p:ext>
+  </p:extLst>
 </p:presentation>
 </file>
 
@@ -256,7 +262,7 @@
           <a:p>
             <a:fld id="{1D406CF3-B81E-4E79-A515-3F17BB04E479}" type="datetimeFigureOut">
               <a:rPr lang="en-NZ" smtClean="0"/>
-              <a:t>30/01/2024</a:t>
+              <a:t>31/01/2024</a:t>
             </a:fld>
             <a:endParaRPr lang="en-NZ"/>
           </a:p>
@@ -456,7 +462,7 @@
           <a:p>
             <a:fld id="{1D406CF3-B81E-4E79-A515-3F17BB04E479}" type="datetimeFigureOut">
               <a:rPr lang="en-NZ" smtClean="0"/>
-              <a:t>30/01/2024</a:t>
+              <a:t>31/01/2024</a:t>
             </a:fld>
             <a:endParaRPr lang="en-NZ"/>
           </a:p>
@@ -666,7 +672,7 @@
           <a:p>
             <a:fld id="{1D406CF3-B81E-4E79-A515-3F17BB04E479}" type="datetimeFigureOut">
               <a:rPr lang="en-NZ" smtClean="0"/>
-              <a:t>30/01/2024</a:t>
+              <a:t>31/01/2024</a:t>
             </a:fld>
             <a:endParaRPr lang="en-NZ"/>
           </a:p>
@@ -866,7 +872,7 @@
           <a:p>
             <a:fld id="{1D406CF3-B81E-4E79-A515-3F17BB04E479}" type="datetimeFigureOut">
               <a:rPr lang="en-NZ" smtClean="0"/>
-              <a:t>30/01/2024</a:t>
+              <a:t>31/01/2024</a:t>
             </a:fld>
             <a:endParaRPr lang="en-NZ"/>
           </a:p>
@@ -1142,7 +1148,7 @@
           <a:p>
             <a:fld id="{1D406CF3-B81E-4E79-A515-3F17BB04E479}" type="datetimeFigureOut">
               <a:rPr lang="en-NZ" smtClean="0"/>
-              <a:t>30/01/2024</a:t>
+              <a:t>31/01/2024</a:t>
             </a:fld>
             <a:endParaRPr lang="en-NZ"/>
           </a:p>
@@ -1410,7 +1416,7 @@
           <a:p>
             <a:fld id="{1D406CF3-B81E-4E79-A515-3F17BB04E479}" type="datetimeFigureOut">
               <a:rPr lang="en-NZ" smtClean="0"/>
-              <a:t>30/01/2024</a:t>
+              <a:t>31/01/2024</a:t>
             </a:fld>
             <a:endParaRPr lang="en-NZ"/>
           </a:p>
@@ -1825,7 +1831,7 @@
           <a:p>
             <a:fld id="{1D406CF3-B81E-4E79-A515-3F17BB04E479}" type="datetimeFigureOut">
               <a:rPr lang="en-NZ" smtClean="0"/>
-              <a:t>30/01/2024</a:t>
+              <a:t>31/01/2024</a:t>
             </a:fld>
             <a:endParaRPr lang="en-NZ"/>
           </a:p>
@@ -1967,7 +1973,7 @@
           <a:p>
             <a:fld id="{1D406CF3-B81E-4E79-A515-3F17BB04E479}" type="datetimeFigureOut">
               <a:rPr lang="en-NZ" smtClean="0"/>
-              <a:t>30/01/2024</a:t>
+              <a:t>31/01/2024</a:t>
             </a:fld>
             <a:endParaRPr lang="en-NZ"/>
           </a:p>
@@ -2080,7 +2086,7 @@
           <a:p>
             <a:fld id="{1D406CF3-B81E-4E79-A515-3F17BB04E479}" type="datetimeFigureOut">
               <a:rPr lang="en-NZ" smtClean="0"/>
-              <a:t>30/01/2024</a:t>
+              <a:t>31/01/2024</a:t>
             </a:fld>
             <a:endParaRPr lang="en-NZ"/>
           </a:p>
@@ -2393,7 +2399,7 @@
           <a:p>
             <a:fld id="{1D406CF3-B81E-4E79-A515-3F17BB04E479}" type="datetimeFigureOut">
               <a:rPr lang="en-NZ" smtClean="0"/>
-              <a:t>30/01/2024</a:t>
+              <a:t>31/01/2024</a:t>
             </a:fld>
             <a:endParaRPr lang="en-NZ"/>
           </a:p>
@@ -2682,7 +2688,7 @@
           <a:p>
             <a:fld id="{1D406CF3-B81E-4E79-A515-3F17BB04E479}" type="datetimeFigureOut">
               <a:rPr lang="en-NZ" smtClean="0"/>
-              <a:t>30/01/2024</a:t>
+              <a:t>31/01/2024</a:t>
             </a:fld>
             <a:endParaRPr lang="en-NZ"/>
           </a:p>
@@ -2925,7 +2931,7 @@
           <a:p>
             <a:fld id="{1D406CF3-B81E-4E79-A515-3F17BB04E479}" type="datetimeFigureOut">
               <a:rPr lang="en-NZ" smtClean="0"/>
-              <a:t>30/01/2024</a:t>
+              <a:t>31/01/2024</a:t>
             </a:fld>
             <a:endParaRPr lang="en-NZ"/>
           </a:p>
@@ -3575,6 +3581,1204 @@
 </p:sld>
 </file>
 
+<file path=ppt/slides/slide2.xml><?xml version="1.0" encoding="utf-8"?>
+<p:sld xmlns:a="http://schemas.openxmlformats.org/drawingml/2006/main" xmlns:r="http://schemas.openxmlformats.org/officeDocument/2006/relationships" xmlns:p="http://schemas.openxmlformats.org/presentationml/2006/main">
+  <p:cSld>
+    <p:spTree>
+      <p:nvGrpSpPr>
+        <p:cNvPr id="1" name=""/>
+        <p:cNvGrpSpPr/>
+        <p:nvPr/>
+      </p:nvGrpSpPr>
+      <p:grpSpPr>
+        <a:xfrm>
+          <a:off x="0" y="0"/>
+          <a:ext cx="0" cy="0"/>
+          <a:chOff x="0" y="0"/>
+          <a:chExt cx="0" cy="0"/>
+        </a:xfrm>
+      </p:grpSpPr>
+      <p:grpSp>
+        <p:nvGrpSpPr>
+          <p:cNvPr id="2" name="Group 1">
+            <a:extLst>
+              <a:ext uri="{FF2B5EF4-FFF2-40B4-BE49-F238E27FC236}">
+                <a16:creationId xmlns:a16="http://schemas.microsoft.com/office/drawing/2014/main" id="{683E83C6-F7BE-5CC7-C3FC-90673AC6018F}"/>
+              </a:ext>
+            </a:extLst>
+          </p:cNvPr>
+          <p:cNvGrpSpPr/>
+          <p:nvPr/>
+        </p:nvGrpSpPr>
+        <p:grpSpPr>
+          <a:xfrm>
+            <a:off x="5619254" y="2528374"/>
+            <a:ext cx="4450089" cy="1868428"/>
+            <a:chOff x="941324" y="630475"/>
+            <a:chExt cx="4450089" cy="1868428"/>
+          </a:xfrm>
+        </p:grpSpPr>
+        <p:pic>
+          <p:nvPicPr>
+            <p:cNvPr id="7" name="Picture 6" descr="A black and white background with red lines&#10;&#10;Description automatically generated">
+              <a:extLst>
+                <a:ext uri="{FF2B5EF4-FFF2-40B4-BE49-F238E27FC236}">
+                  <a16:creationId xmlns:a16="http://schemas.microsoft.com/office/drawing/2014/main" id="{8BFC2A02-1AA5-1300-28E6-FB53CB065F7C}"/>
+                </a:ext>
+              </a:extLst>
+            </p:cNvPr>
+            <p:cNvPicPr>
+              <a:picLocks noChangeAspect="1"/>
+            </p:cNvPicPr>
+            <p:nvPr/>
+          </p:nvPicPr>
+          <p:blipFill>
+            <a:blip r:embed="rId2">
+              <a:extLst>
+                <a:ext uri="{28A0092B-C50C-407E-A947-70E740481C1C}">
+                  <a14:useLocalDpi xmlns:a14="http://schemas.microsoft.com/office/drawing/2010/main" val="0"/>
+                </a:ext>
+              </a:extLst>
+            </a:blip>
+            <a:stretch>
+              <a:fillRect/>
+            </a:stretch>
+          </p:blipFill>
+          <p:spPr>
+            <a:xfrm>
+              <a:off x="941324" y="630475"/>
+              <a:ext cx="4450089" cy="1868428"/>
+            </a:xfrm>
+            <a:prstGeom prst="rect">
+              <a:avLst/>
+            </a:prstGeom>
+          </p:spPr>
+        </p:pic>
+        <p:sp>
+          <p:nvSpPr>
+            <p:cNvPr id="8" name="TextBox 7">
+              <a:extLst>
+                <a:ext uri="{FF2B5EF4-FFF2-40B4-BE49-F238E27FC236}">
+                  <a16:creationId xmlns:a16="http://schemas.microsoft.com/office/drawing/2014/main" id="{C95E816C-905D-26CE-91FD-603AD18F4F87}"/>
+                </a:ext>
+              </a:extLst>
+            </p:cNvPr>
+            <p:cNvSpPr txBox="1"/>
+            <p:nvPr/>
+          </p:nvSpPr>
+          <p:spPr>
+            <a:xfrm>
+              <a:off x="1926455" y="1030237"/>
+              <a:ext cx="487634" cy="276999"/>
+            </a:xfrm>
+            <a:prstGeom prst="rect">
+              <a:avLst/>
+            </a:prstGeom>
+            <a:noFill/>
+          </p:spPr>
+          <p:txBody>
+            <a:bodyPr wrap="none" rtlCol="0">
+              <a:spAutoFit/>
+            </a:bodyPr>
+            <a:lstStyle/>
+            <a:p>
+              <a:r>
+                <a:rPr lang="en-NZ" sz="1200" dirty="0">
+                  <a:latin typeface="DejaVu Sans "/>
+                  <a:cs typeface="Helvetica" panose="020B0604020202020204" pitchFamily="34" charset="0"/>
+                </a:rPr>
+                <a:t>H</a:t>
+              </a:r>
+              <a:r>
+                <a:rPr lang="en-NZ" sz="1200" baseline="-25000" dirty="0">
+                  <a:latin typeface="DejaVu Sans "/>
+                  <a:cs typeface="Helvetica" panose="020B0604020202020204" pitchFamily="34" charset="0"/>
+                </a:rPr>
+                <a:t>2</a:t>
+              </a:r>
+              <a:r>
+                <a:rPr lang="en-NZ" sz="1200" dirty="0">
+                  <a:latin typeface="DejaVu Sans "/>
+                  <a:cs typeface="Helvetica" panose="020B0604020202020204" pitchFamily="34" charset="0"/>
+                </a:rPr>
+                <a:t>O</a:t>
+              </a:r>
+            </a:p>
+          </p:txBody>
+        </p:sp>
+        <p:sp>
+          <p:nvSpPr>
+            <p:cNvPr id="9" name="TextBox 8">
+              <a:extLst>
+                <a:ext uri="{FF2B5EF4-FFF2-40B4-BE49-F238E27FC236}">
+                  <a16:creationId xmlns:a16="http://schemas.microsoft.com/office/drawing/2014/main" id="{D961697D-1B19-EC61-A0AE-F14E1A02B8FE}"/>
+                </a:ext>
+              </a:extLst>
+            </p:cNvPr>
+            <p:cNvSpPr txBox="1"/>
+            <p:nvPr/>
+          </p:nvSpPr>
+          <p:spPr>
+            <a:xfrm>
+              <a:off x="3863268" y="743313"/>
+              <a:ext cx="660758" cy="276999"/>
+            </a:xfrm>
+            <a:prstGeom prst="rect">
+              <a:avLst/>
+            </a:prstGeom>
+            <a:noFill/>
+          </p:spPr>
+          <p:txBody>
+            <a:bodyPr wrap="none" rtlCol="0">
+              <a:spAutoFit/>
+            </a:bodyPr>
+            <a:lstStyle/>
+            <a:p>
+              <a:r>
+                <a:rPr lang="en-NZ" sz="1200" dirty="0">
+                  <a:latin typeface="DejaVu Sans "/>
+                  <a:cs typeface="Helvetica" panose="020B0604020202020204" pitchFamily="34" charset="0"/>
+                </a:rPr>
+                <a:t>DMSO</a:t>
+              </a:r>
+              <a:endParaRPr lang="en-NZ" sz="1400" baseline="-25000" dirty="0">
+                <a:latin typeface="DejaVu Sans "/>
+                <a:cs typeface="Helvetica" panose="020B0604020202020204" pitchFamily="34" charset="0"/>
+              </a:endParaRPr>
+            </a:p>
+          </p:txBody>
+        </p:sp>
+        <p:cxnSp>
+          <p:nvCxnSpPr>
+            <p:cNvPr id="12" name="Straight Connector 11">
+              <a:extLst>
+                <a:ext uri="{FF2B5EF4-FFF2-40B4-BE49-F238E27FC236}">
+                  <a16:creationId xmlns:a16="http://schemas.microsoft.com/office/drawing/2014/main" id="{846215D8-DF36-05D0-4224-B09B5402D4EF}"/>
+                </a:ext>
+              </a:extLst>
+            </p:cNvPr>
+            <p:cNvCxnSpPr>
+              <a:cxnSpLocks/>
+            </p:cNvCxnSpPr>
+            <p:nvPr/>
+          </p:nvCxnSpPr>
+          <p:spPr>
+            <a:xfrm flipH="1">
+              <a:off x="1997476" y="1317009"/>
+              <a:ext cx="172796" cy="257453"/>
+            </a:xfrm>
+            <a:prstGeom prst="line">
+              <a:avLst/>
+            </a:prstGeom>
+          </p:spPr>
+          <p:style>
+            <a:lnRef idx="1">
+              <a:schemeClr val="dk1"/>
+            </a:lnRef>
+            <a:fillRef idx="0">
+              <a:schemeClr val="dk1"/>
+            </a:fillRef>
+            <a:effectRef idx="0">
+              <a:schemeClr val="dk1"/>
+            </a:effectRef>
+            <a:fontRef idx="minor">
+              <a:schemeClr val="tx1"/>
+            </a:fontRef>
+          </p:style>
+        </p:cxnSp>
+        <p:cxnSp>
+          <p:nvCxnSpPr>
+            <p:cNvPr id="13" name="Straight Connector 12">
+              <a:extLst>
+                <a:ext uri="{FF2B5EF4-FFF2-40B4-BE49-F238E27FC236}">
+                  <a16:creationId xmlns:a16="http://schemas.microsoft.com/office/drawing/2014/main" id="{31E50BA7-640F-1C24-3ECF-75E1883F2564}"/>
+                </a:ext>
+              </a:extLst>
+            </p:cNvPr>
+            <p:cNvCxnSpPr/>
+            <p:nvPr/>
+          </p:nvCxnSpPr>
+          <p:spPr>
+            <a:xfrm flipH="1">
+              <a:off x="4020851" y="1012490"/>
+              <a:ext cx="172796" cy="257453"/>
+            </a:xfrm>
+            <a:prstGeom prst="line">
+              <a:avLst/>
+            </a:prstGeom>
+          </p:spPr>
+          <p:style>
+            <a:lnRef idx="1">
+              <a:schemeClr val="dk1"/>
+            </a:lnRef>
+            <a:fillRef idx="0">
+              <a:schemeClr val="dk1"/>
+            </a:fillRef>
+            <a:effectRef idx="0">
+              <a:schemeClr val="dk1"/>
+            </a:effectRef>
+            <a:fontRef idx="minor">
+              <a:schemeClr val="tx1"/>
+            </a:fontRef>
+          </p:style>
+        </p:cxnSp>
+      </p:grpSp>
+      <p:pic>
+        <p:nvPicPr>
+          <p:cNvPr id="16" name="Picture 15" descr="A black and white background with a blue line&#10;&#10;Description automatically generated">
+            <a:extLst>
+              <a:ext uri="{FF2B5EF4-FFF2-40B4-BE49-F238E27FC236}">
+                <a16:creationId xmlns:a16="http://schemas.microsoft.com/office/drawing/2014/main" id="{3564BE46-8A80-85D7-E2A1-069AEFECA787}"/>
+              </a:ext>
+            </a:extLst>
+          </p:cNvPr>
+          <p:cNvPicPr>
+            <a:picLocks noChangeAspect="1"/>
+          </p:cNvPicPr>
+          <p:nvPr/>
+        </p:nvPicPr>
+        <p:blipFill>
+          <a:blip r:embed="rId3">
+            <a:extLst>
+              <a:ext uri="{28A0092B-C50C-407E-A947-70E740481C1C}">
+                <a14:useLocalDpi xmlns:a14="http://schemas.microsoft.com/office/drawing/2010/main" val="0"/>
+              </a:ext>
+            </a:extLst>
+          </a:blip>
+          <a:stretch>
+            <a:fillRect/>
+          </a:stretch>
+        </p:blipFill>
+        <p:spPr>
+          <a:xfrm>
+            <a:off x="941324" y="2528374"/>
+            <a:ext cx="4450089" cy="1871476"/>
+          </a:xfrm>
+          <a:prstGeom prst="rect">
+            <a:avLst/>
+          </a:prstGeom>
+        </p:spPr>
+      </p:pic>
+      <p:sp>
+        <p:nvSpPr>
+          <p:cNvPr id="19" name="TextBox 18">
+            <a:extLst>
+              <a:ext uri="{FF2B5EF4-FFF2-40B4-BE49-F238E27FC236}">
+                <a16:creationId xmlns:a16="http://schemas.microsoft.com/office/drawing/2014/main" id="{3B2B1944-EA04-5D93-8180-F57711FDFCDC}"/>
+              </a:ext>
+            </a:extLst>
+          </p:cNvPr>
+          <p:cNvSpPr txBox="1"/>
+          <p:nvPr/>
+        </p:nvSpPr>
+        <p:spPr>
+          <a:xfrm>
+            <a:off x="1913992" y="2890843"/>
+            <a:ext cx="487634" cy="276999"/>
+          </a:xfrm>
+          <a:prstGeom prst="rect">
+            <a:avLst/>
+          </a:prstGeom>
+          <a:noFill/>
+        </p:spPr>
+        <p:txBody>
+          <a:bodyPr wrap="none" rtlCol="0">
+            <a:spAutoFit/>
+          </a:bodyPr>
+          <a:lstStyle/>
+          <a:p>
+            <a:r>
+              <a:rPr lang="en-NZ" sz="1200" dirty="0">
+                <a:latin typeface="DejaVu Sans "/>
+                <a:cs typeface="Helvetica" panose="020B0604020202020204" pitchFamily="34" charset="0"/>
+              </a:rPr>
+              <a:t>H</a:t>
+            </a:r>
+            <a:r>
+              <a:rPr lang="en-NZ" sz="1200" baseline="-25000" dirty="0">
+                <a:latin typeface="DejaVu Sans "/>
+                <a:cs typeface="Helvetica" panose="020B0604020202020204" pitchFamily="34" charset="0"/>
+              </a:rPr>
+              <a:t>2</a:t>
+            </a:r>
+            <a:r>
+              <a:rPr lang="en-NZ" sz="1200" dirty="0">
+                <a:latin typeface="DejaVu Sans "/>
+                <a:cs typeface="Helvetica" panose="020B0604020202020204" pitchFamily="34" charset="0"/>
+              </a:rPr>
+              <a:t>O</a:t>
+            </a:r>
+          </a:p>
+        </p:txBody>
+      </p:sp>
+      <p:sp>
+        <p:nvSpPr>
+          <p:cNvPr id="20" name="TextBox 19">
+            <a:extLst>
+              <a:ext uri="{FF2B5EF4-FFF2-40B4-BE49-F238E27FC236}">
+                <a16:creationId xmlns:a16="http://schemas.microsoft.com/office/drawing/2014/main" id="{65FCFB27-4128-8834-95B4-40B0F69EBD83}"/>
+              </a:ext>
+            </a:extLst>
+          </p:cNvPr>
+          <p:cNvSpPr txBox="1"/>
+          <p:nvPr/>
+        </p:nvSpPr>
+        <p:spPr>
+          <a:xfrm>
+            <a:off x="3863268" y="2890843"/>
+            <a:ext cx="660758" cy="276999"/>
+          </a:xfrm>
+          <a:prstGeom prst="rect">
+            <a:avLst/>
+          </a:prstGeom>
+          <a:noFill/>
+        </p:spPr>
+        <p:txBody>
+          <a:bodyPr wrap="none" rtlCol="0">
+            <a:spAutoFit/>
+          </a:bodyPr>
+          <a:lstStyle/>
+          <a:p>
+            <a:r>
+              <a:rPr lang="en-NZ" sz="1200" dirty="0">
+                <a:latin typeface="DejaVu Sans "/>
+                <a:cs typeface="Helvetica" panose="020B0604020202020204" pitchFamily="34" charset="0"/>
+              </a:rPr>
+              <a:t>DMSO</a:t>
+            </a:r>
+            <a:endParaRPr lang="en-NZ" sz="1400" baseline="-25000" dirty="0">
+              <a:latin typeface="DejaVu Sans "/>
+              <a:cs typeface="Helvetica" panose="020B0604020202020204" pitchFamily="34" charset="0"/>
+            </a:endParaRPr>
+          </a:p>
+        </p:txBody>
+      </p:sp>
+      <p:cxnSp>
+        <p:nvCxnSpPr>
+          <p:cNvPr id="21" name="Straight Connector 20">
+            <a:extLst>
+              <a:ext uri="{FF2B5EF4-FFF2-40B4-BE49-F238E27FC236}">
+                <a16:creationId xmlns:a16="http://schemas.microsoft.com/office/drawing/2014/main" id="{E12A11EF-E40B-A891-F8E4-80B7506DA102}"/>
+              </a:ext>
+            </a:extLst>
+          </p:cNvPr>
+          <p:cNvCxnSpPr>
+            <a:cxnSpLocks/>
+          </p:cNvCxnSpPr>
+          <p:nvPr/>
+        </p:nvCxnSpPr>
+        <p:spPr>
+          <a:xfrm flipH="1">
+            <a:off x="1985013" y="3177615"/>
+            <a:ext cx="172796" cy="257453"/>
+          </a:xfrm>
+          <a:prstGeom prst="line">
+            <a:avLst/>
+          </a:prstGeom>
+        </p:spPr>
+        <p:style>
+          <a:lnRef idx="1">
+            <a:schemeClr val="dk1"/>
+          </a:lnRef>
+          <a:fillRef idx="0">
+            <a:schemeClr val="dk1"/>
+          </a:fillRef>
+          <a:effectRef idx="0">
+            <a:schemeClr val="dk1"/>
+          </a:effectRef>
+          <a:fontRef idx="minor">
+            <a:schemeClr val="tx1"/>
+          </a:fontRef>
+        </p:style>
+      </p:cxnSp>
+      <p:cxnSp>
+        <p:nvCxnSpPr>
+          <p:cNvPr id="22" name="Straight Connector 21">
+            <a:extLst>
+              <a:ext uri="{FF2B5EF4-FFF2-40B4-BE49-F238E27FC236}">
+                <a16:creationId xmlns:a16="http://schemas.microsoft.com/office/drawing/2014/main" id="{7F5720A4-3AE1-38CA-C90E-3CDCFA259AE0}"/>
+              </a:ext>
+            </a:extLst>
+          </p:cNvPr>
+          <p:cNvCxnSpPr/>
+          <p:nvPr/>
+        </p:nvCxnSpPr>
+        <p:spPr>
+          <a:xfrm flipH="1">
+            <a:off x="4020851" y="3160020"/>
+            <a:ext cx="172796" cy="257453"/>
+          </a:xfrm>
+          <a:prstGeom prst="line">
+            <a:avLst/>
+          </a:prstGeom>
+        </p:spPr>
+        <p:style>
+          <a:lnRef idx="1">
+            <a:schemeClr val="dk1"/>
+          </a:lnRef>
+          <a:fillRef idx="0">
+            <a:schemeClr val="dk1"/>
+          </a:fillRef>
+          <a:effectRef idx="0">
+            <a:schemeClr val="dk1"/>
+          </a:effectRef>
+          <a:fontRef idx="minor">
+            <a:schemeClr val="tx1"/>
+          </a:fontRef>
+        </p:style>
+      </p:cxnSp>
+      <p:sp>
+        <p:nvSpPr>
+          <p:cNvPr id="27" name="TextBox 26">
+            <a:extLst>
+              <a:ext uri="{FF2B5EF4-FFF2-40B4-BE49-F238E27FC236}">
+                <a16:creationId xmlns:a16="http://schemas.microsoft.com/office/drawing/2014/main" id="{B7A5CC70-0D80-6060-56F5-F9544659E620}"/>
+              </a:ext>
+            </a:extLst>
+          </p:cNvPr>
+          <p:cNvSpPr txBox="1"/>
+          <p:nvPr/>
+        </p:nvSpPr>
+        <p:spPr>
+          <a:xfrm>
+            <a:off x="4627340" y="3021520"/>
+            <a:ext cx="692049" cy="276999"/>
+          </a:xfrm>
+          <a:prstGeom prst="rect">
+            <a:avLst/>
+          </a:prstGeom>
+          <a:noFill/>
+        </p:spPr>
+        <p:txBody>
+          <a:bodyPr wrap="none" rtlCol="0">
+            <a:spAutoFit/>
+          </a:bodyPr>
+          <a:lstStyle/>
+          <a:p>
+            <a:r>
+              <a:rPr lang="en-NZ" sz="1200" dirty="0">
+                <a:latin typeface="DejaVu Sans "/>
+                <a:cs typeface="Helvetica" panose="020B0604020202020204" pitchFamily="34" charset="0"/>
+              </a:rPr>
+              <a:t>PBASE</a:t>
+            </a:r>
+            <a:endParaRPr lang="en-NZ" sz="1400" baseline="-25000" dirty="0">
+              <a:latin typeface="DejaVu Sans "/>
+              <a:cs typeface="Helvetica" panose="020B0604020202020204" pitchFamily="34" charset="0"/>
+            </a:endParaRPr>
+          </a:p>
+        </p:txBody>
+      </p:sp>
+      <p:cxnSp>
+        <p:nvCxnSpPr>
+          <p:cNvPr id="28" name="Straight Connector 27">
+            <a:extLst>
+              <a:ext uri="{FF2B5EF4-FFF2-40B4-BE49-F238E27FC236}">
+                <a16:creationId xmlns:a16="http://schemas.microsoft.com/office/drawing/2014/main" id="{8A391BB7-EFA4-ED9F-7F07-45544ADEDC1F}"/>
+              </a:ext>
+            </a:extLst>
+          </p:cNvPr>
+          <p:cNvCxnSpPr/>
+          <p:nvPr/>
+        </p:nvCxnSpPr>
+        <p:spPr>
+          <a:xfrm flipH="1">
+            <a:off x="4784923" y="3290697"/>
+            <a:ext cx="172796" cy="257453"/>
+          </a:xfrm>
+          <a:prstGeom prst="line">
+            <a:avLst/>
+          </a:prstGeom>
+        </p:spPr>
+        <p:style>
+          <a:lnRef idx="1">
+            <a:schemeClr val="dk1"/>
+          </a:lnRef>
+          <a:fillRef idx="0">
+            <a:schemeClr val="dk1"/>
+          </a:fillRef>
+          <a:effectRef idx="0">
+            <a:schemeClr val="dk1"/>
+          </a:effectRef>
+          <a:fontRef idx="minor">
+            <a:schemeClr val="tx1"/>
+          </a:fontRef>
+        </p:style>
+      </p:cxnSp>
+      <p:sp>
+        <p:nvSpPr>
+          <p:cNvPr id="37" name="TextBox 36">
+            <a:extLst>
+              <a:ext uri="{FF2B5EF4-FFF2-40B4-BE49-F238E27FC236}">
+                <a16:creationId xmlns:a16="http://schemas.microsoft.com/office/drawing/2014/main" id="{4315BE44-09A0-F678-A091-C516374F2E0C}"/>
+              </a:ext>
+            </a:extLst>
+          </p:cNvPr>
+          <p:cNvSpPr txBox="1"/>
+          <p:nvPr/>
+        </p:nvSpPr>
+        <p:spPr>
+          <a:xfrm>
+            <a:off x="1114326" y="3039115"/>
+            <a:ext cx="692049" cy="276999"/>
+          </a:xfrm>
+          <a:prstGeom prst="rect">
+            <a:avLst/>
+          </a:prstGeom>
+          <a:noFill/>
+        </p:spPr>
+        <p:txBody>
+          <a:bodyPr wrap="none" rtlCol="0">
+            <a:spAutoFit/>
+          </a:bodyPr>
+          <a:lstStyle/>
+          <a:p>
+            <a:r>
+              <a:rPr lang="en-NZ" sz="1200" dirty="0">
+                <a:latin typeface="DejaVu Sans "/>
+                <a:cs typeface="Helvetica" panose="020B0604020202020204" pitchFamily="34" charset="0"/>
+              </a:rPr>
+              <a:t>PBASE</a:t>
+            </a:r>
+            <a:endParaRPr lang="en-NZ" sz="1400" baseline="-25000" dirty="0">
+              <a:latin typeface="DejaVu Sans "/>
+              <a:cs typeface="Helvetica" panose="020B0604020202020204" pitchFamily="34" charset="0"/>
+            </a:endParaRPr>
+          </a:p>
+        </p:txBody>
+      </p:sp>
+      <p:cxnSp>
+        <p:nvCxnSpPr>
+          <p:cNvPr id="38" name="Straight Connector 37">
+            <a:extLst>
+              <a:ext uri="{FF2B5EF4-FFF2-40B4-BE49-F238E27FC236}">
+                <a16:creationId xmlns:a16="http://schemas.microsoft.com/office/drawing/2014/main" id="{5CAC87FB-6C17-1730-22EF-3394B8BE3EB7}"/>
+              </a:ext>
+            </a:extLst>
+          </p:cNvPr>
+          <p:cNvCxnSpPr>
+            <a:cxnSpLocks/>
+          </p:cNvCxnSpPr>
+          <p:nvPr/>
+        </p:nvCxnSpPr>
+        <p:spPr>
+          <a:xfrm>
+            <a:off x="1516940" y="3318333"/>
+            <a:ext cx="46617" cy="359630"/>
+          </a:xfrm>
+          <a:prstGeom prst="line">
+            <a:avLst/>
+          </a:prstGeom>
+        </p:spPr>
+        <p:style>
+          <a:lnRef idx="1">
+            <a:schemeClr val="dk1"/>
+          </a:lnRef>
+          <a:fillRef idx="0">
+            <a:schemeClr val="dk1"/>
+          </a:fillRef>
+          <a:effectRef idx="0">
+            <a:schemeClr val="dk1"/>
+          </a:effectRef>
+          <a:fontRef idx="minor">
+            <a:schemeClr val="tx1"/>
+          </a:fontRef>
+        </p:style>
+      </p:cxnSp>
+      <p:sp>
+        <p:nvSpPr>
+          <p:cNvPr id="39" name="TextBox 38">
+            <a:extLst>
+              <a:ext uri="{FF2B5EF4-FFF2-40B4-BE49-F238E27FC236}">
+                <a16:creationId xmlns:a16="http://schemas.microsoft.com/office/drawing/2014/main" id="{66FDEFEB-3B2A-F571-4D33-A4556B413A96}"/>
+              </a:ext>
+            </a:extLst>
+          </p:cNvPr>
+          <p:cNvSpPr txBox="1"/>
+          <p:nvPr/>
+        </p:nvSpPr>
+        <p:spPr>
+          <a:xfrm>
+            <a:off x="3099195" y="2894503"/>
+            <a:ext cx="692049" cy="276999"/>
+          </a:xfrm>
+          <a:prstGeom prst="rect">
+            <a:avLst/>
+          </a:prstGeom>
+          <a:noFill/>
+        </p:spPr>
+        <p:txBody>
+          <a:bodyPr wrap="none" rtlCol="0">
+            <a:spAutoFit/>
+          </a:bodyPr>
+          <a:lstStyle/>
+          <a:p>
+            <a:r>
+              <a:rPr lang="en-NZ" sz="1200" dirty="0">
+                <a:latin typeface="DejaVu Sans "/>
+                <a:cs typeface="Helvetica" panose="020B0604020202020204" pitchFamily="34" charset="0"/>
+              </a:rPr>
+              <a:t>PBASE</a:t>
+            </a:r>
+            <a:endParaRPr lang="en-NZ" sz="1200" baseline="-25000" dirty="0">
+              <a:latin typeface="DejaVu Sans "/>
+              <a:cs typeface="Helvetica" panose="020B0604020202020204" pitchFamily="34" charset="0"/>
+            </a:endParaRPr>
+          </a:p>
+        </p:txBody>
+      </p:sp>
+      <p:cxnSp>
+        <p:nvCxnSpPr>
+          <p:cNvPr id="40" name="Straight Connector 39">
+            <a:extLst>
+              <a:ext uri="{FF2B5EF4-FFF2-40B4-BE49-F238E27FC236}">
+                <a16:creationId xmlns:a16="http://schemas.microsoft.com/office/drawing/2014/main" id="{8EAF777E-600B-9E4F-6819-C506AB7FDACC}"/>
+              </a:ext>
+            </a:extLst>
+          </p:cNvPr>
+          <p:cNvCxnSpPr>
+            <a:cxnSpLocks/>
+          </p:cNvCxnSpPr>
+          <p:nvPr/>
+        </p:nvCxnSpPr>
+        <p:spPr>
+          <a:xfrm flipH="1">
+            <a:off x="3129357" y="3183809"/>
+            <a:ext cx="277319" cy="383344"/>
+          </a:xfrm>
+          <a:prstGeom prst="line">
+            <a:avLst/>
+          </a:prstGeom>
+        </p:spPr>
+        <p:style>
+          <a:lnRef idx="1">
+            <a:schemeClr val="dk1"/>
+          </a:lnRef>
+          <a:fillRef idx="0">
+            <a:schemeClr val="dk1"/>
+          </a:fillRef>
+          <a:effectRef idx="0">
+            <a:schemeClr val="dk1"/>
+          </a:effectRef>
+          <a:fontRef idx="minor">
+            <a:schemeClr val="tx1"/>
+          </a:fontRef>
+        </p:style>
+      </p:cxnSp>
+      <p:grpSp>
+        <p:nvGrpSpPr>
+          <p:cNvPr id="3" name="Group 2">
+            <a:extLst>
+              <a:ext uri="{FF2B5EF4-FFF2-40B4-BE49-F238E27FC236}">
+                <a16:creationId xmlns:a16="http://schemas.microsoft.com/office/drawing/2014/main" id="{9030CC6B-10C5-A8B3-218B-6D8B2882C74E}"/>
+              </a:ext>
+            </a:extLst>
+          </p:cNvPr>
+          <p:cNvGrpSpPr/>
+          <p:nvPr/>
+        </p:nvGrpSpPr>
+        <p:grpSpPr>
+          <a:xfrm>
+            <a:off x="941324" y="4429321"/>
+            <a:ext cx="4450089" cy="1868428"/>
+            <a:chOff x="941324" y="4429321"/>
+            <a:chExt cx="4450089" cy="1868428"/>
+          </a:xfrm>
+        </p:grpSpPr>
+        <p:pic>
+          <p:nvPicPr>
+            <p:cNvPr id="18" name="Picture 17" descr="A green line on a white background&#10;&#10;Description automatically generated">
+              <a:extLst>
+                <a:ext uri="{FF2B5EF4-FFF2-40B4-BE49-F238E27FC236}">
+                  <a16:creationId xmlns:a16="http://schemas.microsoft.com/office/drawing/2014/main" id="{69BEFF34-B3ED-FD90-C56B-48773EFEC208}"/>
+                </a:ext>
+              </a:extLst>
+            </p:cNvPr>
+            <p:cNvPicPr>
+              <a:picLocks noChangeAspect="1"/>
+            </p:cNvPicPr>
+            <p:nvPr/>
+          </p:nvPicPr>
+          <p:blipFill>
+            <a:blip r:embed="rId4">
+              <a:extLst>
+                <a:ext uri="{28A0092B-C50C-407E-A947-70E740481C1C}">
+                  <a14:useLocalDpi xmlns:a14="http://schemas.microsoft.com/office/drawing/2010/main" val="0"/>
+                </a:ext>
+              </a:extLst>
+            </a:blip>
+            <a:stretch>
+              <a:fillRect/>
+            </a:stretch>
+          </p:blipFill>
+          <p:spPr>
+            <a:xfrm>
+              <a:off x="941324" y="4429321"/>
+              <a:ext cx="4450089" cy="1868428"/>
+            </a:xfrm>
+            <a:prstGeom prst="rect">
+              <a:avLst/>
+            </a:prstGeom>
+          </p:spPr>
+        </p:pic>
+        <p:sp>
+          <p:nvSpPr>
+            <p:cNvPr id="23" name="TextBox 22">
+              <a:extLst>
+                <a:ext uri="{FF2B5EF4-FFF2-40B4-BE49-F238E27FC236}">
+                  <a16:creationId xmlns:a16="http://schemas.microsoft.com/office/drawing/2014/main" id="{77D69F6D-A85C-0495-8A1B-BB3C239B3B2D}"/>
+                </a:ext>
+              </a:extLst>
+            </p:cNvPr>
+            <p:cNvSpPr txBox="1"/>
+            <p:nvPr/>
+          </p:nvSpPr>
+          <p:spPr>
+            <a:xfrm>
+              <a:off x="1855434" y="4900818"/>
+              <a:ext cx="487634" cy="276999"/>
+            </a:xfrm>
+            <a:prstGeom prst="rect">
+              <a:avLst/>
+            </a:prstGeom>
+            <a:noFill/>
+          </p:spPr>
+          <p:txBody>
+            <a:bodyPr wrap="none" rtlCol="0">
+              <a:spAutoFit/>
+            </a:bodyPr>
+            <a:lstStyle/>
+            <a:p>
+              <a:r>
+                <a:rPr lang="en-NZ" sz="1200" dirty="0">
+                  <a:latin typeface="DejaVu Sans "/>
+                  <a:cs typeface="Helvetica" panose="020B0604020202020204" pitchFamily="34" charset="0"/>
+                </a:rPr>
+                <a:t>H</a:t>
+              </a:r>
+              <a:r>
+                <a:rPr lang="en-NZ" sz="1200" baseline="-25000" dirty="0">
+                  <a:latin typeface="DejaVu Sans "/>
+                  <a:cs typeface="Helvetica" panose="020B0604020202020204" pitchFamily="34" charset="0"/>
+                </a:rPr>
+                <a:t>2</a:t>
+              </a:r>
+              <a:r>
+                <a:rPr lang="en-NZ" sz="1200" dirty="0">
+                  <a:latin typeface="DejaVu Sans "/>
+                  <a:cs typeface="Helvetica" panose="020B0604020202020204" pitchFamily="34" charset="0"/>
+                </a:rPr>
+                <a:t>O</a:t>
+              </a:r>
+            </a:p>
+          </p:txBody>
+        </p:sp>
+        <p:sp>
+          <p:nvSpPr>
+            <p:cNvPr id="24" name="TextBox 23">
+              <a:extLst>
+                <a:ext uri="{FF2B5EF4-FFF2-40B4-BE49-F238E27FC236}">
+                  <a16:creationId xmlns:a16="http://schemas.microsoft.com/office/drawing/2014/main" id="{70974379-4CCB-0FE4-75DA-550C2367FF85}"/>
+                </a:ext>
+              </a:extLst>
+            </p:cNvPr>
+            <p:cNvSpPr txBox="1"/>
+            <p:nvPr/>
+          </p:nvSpPr>
+          <p:spPr>
+            <a:xfrm>
+              <a:off x="3863268" y="4762319"/>
+              <a:ext cx="660758" cy="276999"/>
+            </a:xfrm>
+            <a:prstGeom prst="rect">
+              <a:avLst/>
+            </a:prstGeom>
+            <a:noFill/>
+          </p:spPr>
+          <p:txBody>
+            <a:bodyPr wrap="none" rtlCol="0">
+              <a:spAutoFit/>
+            </a:bodyPr>
+            <a:lstStyle/>
+            <a:p>
+              <a:r>
+                <a:rPr lang="en-NZ" sz="1200" dirty="0">
+                  <a:latin typeface="DejaVu Sans "/>
+                  <a:cs typeface="Helvetica" panose="020B0604020202020204" pitchFamily="34" charset="0"/>
+                </a:rPr>
+                <a:t>DMSO</a:t>
+              </a:r>
+              <a:endParaRPr lang="en-NZ" sz="1400" baseline="-25000" dirty="0">
+                <a:latin typeface="DejaVu Sans "/>
+                <a:cs typeface="Helvetica" panose="020B0604020202020204" pitchFamily="34" charset="0"/>
+              </a:endParaRPr>
+            </a:p>
+          </p:txBody>
+        </p:sp>
+        <p:cxnSp>
+          <p:nvCxnSpPr>
+            <p:cNvPr id="25" name="Straight Connector 24">
+              <a:extLst>
+                <a:ext uri="{FF2B5EF4-FFF2-40B4-BE49-F238E27FC236}">
+                  <a16:creationId xmlns:a16="http://schemas.microsoft.com/office/drawing/2014/main" id="{38F6BD11-D00A-6617-9FB0-AF566E57413A}"/>
+                </a:ext>
+              </a:extLst>
+            </p:cNvPr>
+            <p:cNvCxnSpPr>
+              <a:cxnSpLocks/>
+            </p:cNvCxnSpPr>
+            <p:nvPr/>
+          </p:nvCxnSpPr>
+          <p:spPr>
+            <a:xfrm flipH="1">
+              <a:off x="1926455" y="5177817"/>
+              <a:ext cx="172796" cy="257453"/>
+            </a:xfrm>
+            <a:prstGeom prst="line">
+              <a:avLst/>
+            </a:prstGeom>
+          </p:spPr>
+          <p:style>
+            <a:lnRef idx="1">
+              <a:schemeClr val="dk1"/>
+            </a:lnRef>
+            <a:fillRef idx="0">
+              <a:schemeClr val="dk1"/>
+            </a:fillRef>
+            <a:effectRef idx="0">
+              <a:schemeClr val="dk1"/>
+            </a:effectRef>
+            <a:fontRef idx="minor">
+              <a:schemeClr val="tx1"/>
+            </a:fontRef>
+          </p:style>
+        </p:cxnSp>
+        <p:cxnSp>
+          <p:nvCxnSpPr>
+            <p:cNvPr id="26" name="Straight Connector 25">
+              <a:extLst>
+                <a:ext uri="{FF2B5EF4-FFF2-40B4-BE49-F238E27FC236}">
+                  <a16:creationId xmlns:a16="http://schemas.microsoft.com/office/drawing/2014/main" id="{32E571E4-ED30-9042-4540-794DAA1E2FE5}"/>
+                </a:ext>
+              </a:extLst>
+            </p:cNvPr>
+            <p:cNvCxnSpPr/>
+            <p:nvPr/>
+          </p:nvCxnSpPr>
+          <p:spPr>
+            <a:xfrm flipH="1">
+              <a:off x="4024238" y="5047119"/>
+              <a:ext cx="172796" cy="257453"/>
+            </a:xfrm>
+            <a:prstGeom prst="line">
+              <a:avLst/>
+            </a:prstGeom>
+          </p:spPr>
+          <p:style>
+            <a:lnRef idx="1">
+              <a:schemeClr val="dk1"/>
+            </a:lnRef>
+            <a:fillRef idx="0">
+              <a:schemeClr val="dk1"/>
+            </a:fillRef>
+            <a:effectRef idx="0">
+              <a:schemeClr val="dk1"/>
+            </a:effectRef>
+            <a:fontRef idx="minor">
+              <a:schemeClr val="tx1"/>
+            </a:fontRef>
+          </p:style>
+        </p:cxnSp>
+        <p:sp>
+          <p:nvSpPr>
+            <p:cNvPr id="29" name="TextBox 28">
+              <a:extLst>
+                <a:ext uri="{FF2B5EF4-FFF2-40B4-BE49-F238E27FC236}">
+                  <a16:creationId xmlns:a16="http://schemas.microsoft.com/office/drawing/2014/main" id="{4270C83D-3547-7845-6D01-337B24ADD48C}"/>
+                </a:ext>
+              </a:extLst>
+            </p:cNvPr>
+            <p:cNvSpPr txBox="1"/>
+            <p:nvPr/>
+          </p:nvSpPr>
+          <p:spPr>
+            <a:xfrm>
+              <a:off x="4611694" y="4900818"/>
+              <a:ext cx="692049" cy="276999"/>
+            </a:xfrm>
+            <a:prstGeom prst="rect">
+              <a:avLst/>
+            </a:prstGeom>
+            <a:noFill/>
+          </p:spPr>
+          <p:txBody>
+            <a:bodyPr wrap="none" rtlCol="0">
+              <a:spAutoFit/>
+            </a:bodyPr>
+            <a:lstStyle/>
+            <a:p>
+              <a:r>
+                <a:rPr lang="en-NZ" sz="1200" dirty="0">
+                  <a:latin typeface="DejaVu Sans "/>
+                  <a:cs typeface="Helvetica" panose="020B0604020202020204" pitchFamily="34" charset="0"/>
+                </a:rPr>
+                <a:t>PBASE</a:t>
+              </a:r>
+              <a:endParaRPr lang="en-NZ" sz="1400" baseline="-25000" dirty="0">
+                <a:latin typeface="DejaVu Sans "/>
+                <a:cs typeface="Helvetica" panose="020B0604020202020204" pitchFamily="34" charset="0"/>
+              </a:endParaRPr>
+            </a:p>
+          </p:txBody>
+        </p:sp>
+        <p:cxnSp>
+          <p:nvCxnSpPr>
+            <p:cNvPr id="30" name="Straight Connector 29">
+              <a:extLst>
+                <a:ext uri="{FF2B5EF4-FFF2-40B4-BE49-F238E27FC236}">
+                  <a16:creationId xmlns:a16="http://schemas.microsoft.com/office/drawing/2014/main" id="{CB625075-0CCE-E611-1723-7044C67D6414}"/>
+                </a:ext>
+              </a:extLst>
+            </p:cNvPr>
+            <p:cNvCxnSpPr/>
+            <p:nvPr/>
+          </p:nvCxnSpPr>
+          <p:spPr>
+            <a:xfrm flipH="1">
+              <a:off x="4782278" y="5177817"/>
+              <a:ext cx="172796" cy="257453"/>
+            </a:xfrm>
+            <a:prstGeom prst="line">
+              <a:avLst/>
+            </a:prstGeom>
+          </p:spPr>
+          <p:style>
+            <a:lnRef idx="1">
+              <a:schemeClr val="dk1"/>
+            </a:lnRef>
+            <a:fillRef idx="0">
+              <a:schemeClr val="dk1"/>
+            </a:fillRef>
+            <a:effectRef idx="0">
+              <a:schemeClr val="dk1"/>
+            </a:effectRef>
+            <a:fontRef idx="minor">
+              <a:schemeClr val="tx1"/>
+            </a:fontRef>
+          </p:style>
+        </p:cxnSp>
+        <p:cxnSp>
+          <p:nvCxnSpPr>
+            <p:cNvPr id="31" name="Straight Connector 30">
+              <a:extLst>
+                <a:ext uri="{FF2B5EF4-FFF2-40B4-BE49-F238E27FC236}">
+                  <a16:creationId xmlns:a16="http://schemas.microsoft.com/office/drawing/2014/main" id="{ACF05DC2-1561-0259-AB70-5F704727AB3C}"/>
+                </a:ext>
+              </a:extLst>
+            </p:cNvPr>
+            <p:cNvCxnSpPr>
+              <a:cxnSpLocks/>
+            </p:cNvCxnSpPr>
+            <p:nvPr/>
+          </p:nvCxnSpPr>
+          <p:spPr>
+            <a:xfrm>
+              <a:off x="5014308" y="5180036"/>
+              <a:ext cx="46617" cy="359630"/>
+            </a:xfrm>
+            <a:prstGeom prst="line">
+              <a:avLst/>
+            </a:prstGeom>
+          </p:spPr>
+          <p:style>
+            <a:lnRef idx="1">
+              <a:schemeClr val="dk1"/>
+            </a:lnRef>
+            <a:fillRef idx="0">
+              <a:schemeClr val="dk1"/>
+            </a:fillRef>
+            <a:effectRef idx="0">
+              <a:schemeClr val="dk1"/>
+            </a:effectRef>
+            <a:fontRef idx="minor">
+              <a:schemeClr val="tx1"/>
+            </a:fontRef>
+          </p:style>
+        </p:cxnSp>
+        <p:sp>
+          <p:nvSpPr>
+            <p:cNvPr id="34" name="TextBox 33">
+              <a:extLst>
+                <a:ext uri="{FF2B5EF4-FFF2-40B4-BE49-F238E27FC236}">
+                  <a16:creationId xmlns:a16="http://schemas.microsoft.com/office/drawing/2014/main" id="{8A84614C-A719-7CB4-55FD-553742EBE257}"/>
+                </a:ext>
+              </a:extLst>
+            </p:cNvPr>
+            <p:cNvSpPr txBox="1"/>
+            <p:nvPr/>
+          </p:nvSpPr>
+          <p:spPr>
+            <a:xfrm>
+              <a:off x="1116661" y="4900818"/>
+              <a:ext cx="692049" cy="276999"/>
+            </a:xfrm>
+            <a:prstGeom prst="rect">
+              <a:avLst/>
+            </a:prstGeom>
+            <a:noFill/>
+          </p:spPr>
+          <p:txBody>
+            <a:bodyPr wrap="none" rtlCol="0">
+              <a:spAutoFit/>
+            </a:bodyPr>
+            <a:lstStyle/>
+            <a:p>
+              <a:r>
+                <a:rPr lang="en-NZ" sz="1200" dirty="0">
+                  <a:latin typeface="DejaVu Sans "/>
+                  <a:cs typeface="Helvetica" panose="020B0604020202020204" pitchFamily="34" charset="0"/>
+                </a:rPr>
+                <a:t>PBASE</a:t>
+              </a:r>
+              <a:endParaRPr lang="en-NZ" sz="1400" baseline="-25000" dirty="0">
+                <a:latin typeface="DejaVu Sans "/>
+                <a:cs typeface="Helvetica" panose="020B0604020202020204" pitchFamily="34" charset="0"/>
+              </a:endParaRPr>
+            </a:p>
+          </p:txBody>
+        </p:sp>
+        <p:cxnSp>
+          <p:nvCxnSpPr>
+            <p:cNvPr id="36" name="Straight Connector 35">
+              <a:extLst>
+                <a:ext uri="{FF2B5EF4-FFF2-40B4-BE49-F238E27FC236}">
+                  <a16:creationId xmlns:a16="http://schemas.microsoft.com/office/drawing/2014/main" id="{33314E0C-7155-9ECE-88A1-732BB5F7BE3F}"/>
+                </a:ext>
+              </a:extLst>
+            </p:cNvPr>
+            <p:cNvCxnSpPr>
+              <a:cxnSpLocks/>
+            </p:cNvCxnSpPr>
+            <p:nvPr/>
+          </p:nvCxnSpPr>
+          <p:spPr>
+            <a:xfrm>
+              <a:off x="1519275" y="5180036"/>
+              <a:ext cx="46617" cy="359630"/>
+            </a:xfrm>
+            <a:prstGeom prst="line">
+              <a:avLst/>
+            </a:prstGeom>
+          </p:spPr>
+          <p:style>
+            <a:lnRef idx="1">
+              <a:schemeClr val="dk1"/>
+            </a:lnRef>
+            <a:fillRef idx="0">
+              <a:schemeClr val="dk1"/>
+            </a:fillRef>
+            <a:effectRef idx="0">
+              <a:schemeClr val="dk1"/>
+            </a:effectRef>
+            <a:fontRef idx="minor">
+              <a:schemeClr val="tx1"/>
+            </a:fontRef>
+          </p:style>
+        </p:cxnSp>
+        <p:sp>
+          <p:nvSpPr>
+            <p:cNvPr id="46" name="TextBox 45">
+              <a:extLst>
+                <a:ext uri="{FF2B5EF4-FFF2-40B4-BE49-F238E27FC236}">
+                  <a16:creationId xmlns:a16="http://schemas.microsoft.com/office/drawing/2014/main" id="{2F0AC968-9BA7-B65E-0EF9-F49115328A41}"/>
+                </a:ext>
+              </a:extLst>
+            </p:cNvPr>
+            <p:cNvSpPr txBox="1"/>
+            <p:nvPr/>
+          </p:nvSpPr>
+          <p:spPr>
+            <a:xfrm>
+              <a:off x="3083549" y="4761603"/>
+              <a:ext cx="692049" cy="276999"/>
+            </a:xfrm>
+            <a:prstGeom prst="rect">
+              <a:avLst/>
+            </a:prstGeom>
+            <a:noFill/>
+          </p:spPr>
+          <p:txBody>
+            <a:bodyPr wrap="none" rtlCol="0">
+              <a:spAutoFit/>
+            </a:bodyPr>
+            <a:lstStyle/>
+            <a:p>
+              <a:r>
+                <a:rPr lang="en-NZ" sz="1200" dirty="0">
+                  <a:latin typeface="DejaVu Sans "/>
+                  <a:cs typeface="Helvetica" panose="020B0604020202020204" pitchFamily="34" charset="0"/>
+                </a:rPr>
+                <a:t>PBASE</a:t>
+              </a:r>
+              <a:endParaRPr lang="en-NZ" sz="1200" baseline="-25000" dirty="0">
+                <a:latin typeface="DejaVu Sans "/>
+                <a:cs typeface="Helvetica" panose="020B0604020202020204" pitchFamily="34" charset="0"/>
+              </a:endParaRPr>
+            </a:p>
+          </p:txBody>
+        </p:sp>
+        <p:cxnSp>
+          <p:nvCxnSpPr>
+            <p:cNvPr id="47" name="Straight Connector 46">
+              <a:extLst>
+                <a:ext uri="{FF2B5EF4-FFF2-40B4-BE49-F238E27FC236}">
+                  <a16:creationId xmlns:a16="http://schemas.microsoft.com/office/drawing/2014/main" id="{9CA33378-0D9B-BC6D-4EF7-159DF567020C}"/>
+                </a:ext>
+              </a:extLst>
+            </p:cNvPr>
+            <p:cNvCxnSpPr>
+              <a:cxnSpLocks/>
+            </p:cNvCxnSpPr>
+            <p:nvPr/>
+          </p:nvCxnSpPr>
+          <p:spPr>
+            <a:xfrm flipH="1">
+              <a:off x="3126191" y="5038602"/>
+              <a:ext cx="277319" cy="383344"/>
+            </a:xfrm>
+            <a:prstGeom prst="line">
+              <a:avLst/>
+            </a:prstGeom>
+          </p:spPr>
+          <p:style>
+            <a:lnRef idx="1">
+              <a:schemeClr val="dk1"/>
+            </a:lnRef>
+            <a:fillRef idx="0">
+              <a:schemeClr val="dk1"/>
+            </a:fillRef>
+            <a:effectRef idx="0">
+              <a:schemeClr val="dk1"/>
+            </a:effectRef>
+            <a:fontRef idx="minor">
+              <a:schemeClr val="tx1"/>
+            </a:fontRef>
+          </p:style>
+        </p:cxnSp>
+      </p:grpSp>
+    </p:spTree>
+    <p:extLst>
+      <p:ext uri="{BB962C8B-B14F-4D97-AF65-F5344CB8AC3E}">
+        <p14:creationId xmlns:p14="http://schemas.microsoft.com/office/powerpoint/2010/main" val="1822608433"/>
+      </p:ext>
+    </p:extLst>
+  </p:cSld>
+  <p:clrMapOvr>
+    <a:masterClrMapping/>
+  </p:clrMapOvr>
+</p:sld>
+</file>
+
 <file path=ppt/theme/theme1.xml><?xml version="1.0" encoding="utf-8"?>
 <a:theme xmlns:a="http://schemas.openxmlformats.org/drawingml/2006/main" name="Office Theme">
   <a:themeElements>

--- a/figures/ch6/New Microsoft PowerPoint Presentation.pptx
+++ b/figures/ch6/New Microsoft PowerPoint Presentation.pptx
@@ -7,6 +7,8 @@
   <p:sldIdLst>
     <p:sldId id="256" r:id="rId2"/>
     <p:sldId id="257" r:id="rId3"/>
+    <p:sldId id="258" r:id="rId4"/>
+    <p:sldId id="259" r:id="rId5"/>
   </p:sldIdLst>
   <p:sldSz cx="12192000" cy="6858000"/>
   <p:notesSz cx="6858000" cy="9144000"/>
@@ -262,7 +264,7 @@
           <a:p>
             <a:fld id="{1D406CF3-B81E-4E79-A515-3F17BB04E479}" type="datetimeFigureOut">
               <a:rPr lang="en-NZ" smtClean="0"/>
-              <a:t>31/01/2024</a:t>
+              <a:t>2/02/2024</a:t>
             </a:fld>
             <a:endParaRPr lang="en-NZ"/>
           </a:p>
@@ -462,7 +464,7 @@
           <a:p>
             <a:fld id="{1D406CF3-B81E-4E79-A515-3F17BB04E479}" type="datetimeFigureOut">
               <a:rPr lang="en-NZ" smtClean="0"/>
-              <a:t>31/01/2024</a:t>
+              <a:t>2/02/2024</a:t>
             </a:fld>
             <a:endParaRPr lang="en-NZ"/>
           </a:p>
@@ -672,7 +674,7 @@
           <a:p>
             <a:fld id="{1D406CF3-B81E-4E79-A515-3F17BB04E479}" type="datetimeFigureOut">
               <a:rPr lang="en-NZ" smtClean="0"/>
-              <a:t>31/01/2024</a:t>
+              <a:t>2/02/2024</a:t>
             </a:fld>
             <a:endParaRPr lang="en-NZ"/>
           </a:p>
@@ -872,7 +874,7 @@
           <a:p>
             <a:fld id="{1D406CF3-B81E-4E79-A515-3F17BB04E479}" type="datetimeFigureOut">
               <a:rPr lang="en-NZ" smtClean="0"/>
-              <a:t>31/01/2024</a:t>
+              <a:t>2/02/2024</a:t>
             </a:fld>
             <a:endParaRPr lang="en-NZ"/>
           </a:p>
@@ -1148,7 +1150,7 @@
           <a:p>
             <a:fld id="{1D406CF3-B81E-4E79-A515-3F17BB04E479}" type="datetimeFigureOut">
               <a:rPr lang="en-NZ" smtClean="0"/>
-              <a:t>31/01/2024</a:t>
+              <a:t>2/02/2024</a:t>
             </a:fld>
             <a:endParaRPr lang="en-NZ"/>
           </a:p>
@@ -1416,7 +1418,7 @@
           <a:p>
             <a:fld id="{1D406CF3-B81E-4E79-A515-3F17BB04E479}" type="datetimeFigureOut">
               <a:rPr lang="en-NZ" smtClean="0"/>
-              <a:t>31/01/2024</a:t>
+              <a:t>2/02/2024</a:t>
             </a:fld>
             <a:endParaRPr lang="en-NZ"/>
           </a:p>
@@ -1831,7 +1833,7 @@
           <a:p>
             <a:fld id="{1D406CF3-B81E-4E79-A515-3F17BB04E479}" type="datetimeFigureOut">
               <a:rPr lang="en-NZ" smtClean="0"/>
-              <a:t>31/01/2024</a:t>
+              <a:t>2/02/2024</a:t>
             </a:fld>
             <a:endParaRPr lang="en-NZ"/>
           </a:p>
@@ -1973,7 +1975,7 @@
           <a:p>
             <a:fld id="{1D406CF3-B81E-4E79-A515-3F17BB04E479}" type="datetimeFigureOut">
               <a:rPr lang="en-NZ" smtClean="0"/>
-              <a:t>31/01/2024</a:t>
+              <a:t>2/02/2024</a:t>
             </a:fld>
             <a:endParaRPr lang="en-NZ"/>
           </a:p>
@@ -2086,7 +2088,7 @@
           <a:p>
             <a:fld id="{1D406CF3-B81E-4E79-A515-3F17BB04E479}" type="datetimeFigureOut">
               <a:rPr lang="en-NZ" smtClean="0"/>
-              <a:t>31/01/2024</a:t>
+              <a:t>2/02/2024</a:t>
             </a:fld>
             <a:endParaRPr lang="en-NZ"/>
           </a:p>
@@ -2399,7 +2401,7 @@
           <a:p>
             <a:fld id="{1D406CF3-B81E-4E79-A515-3F17BB04E479}" type="datetimeFigureOut">
               <a:rPr lang="en-NZ" smtClean="0"/>
-              <a:t>31/01/2024</a:t>
+              <a:t>2/02/2024</a:t>
             </a:fld>
             <a:endParaRPr lang="en-NZ"/>
           </a:p>
@@ -2688,7 +2690,7 @@
           <a:p>
             <a:fld id="{1D406CF3-B81E-4E79-A515-3F17BB04E479}" type="datetimeFigureOut">
               <a:rPr lang="en-NZ" smtClean="0"/>
-              <a:t>31/01/2024</a:t>
+              <a:t>2/02/2024</a:t>
             </a:fld>
             <a:endParaRPr lang="en-NZ"/>
           </a:p>
@@ -2931,7 +2933,7 @@
           <a:p>
             <a:fld id="{1D406CF3-B81E-4E79-A515-3F17BB04E479}" type="datetimeFigureOut">
               <a:rPr lang="en-NZ" smtClean="0"/>
-              <a:t>31/01/2024</a:t>
+              <a:t>2/02/2024</a:t>
             </a:fld>
             <a:endParaRPr lang="en-NZ"/>
           </a:p>
@@ -3612,7 +3614,7 @@
         </p:nvGrpSpPr>
         <p:grpSpPr>
           <a:xfrm>
-            <a:off x="5619254" y="2528374"/>
+            <a:off x="5619254" y="1790938"/>
             <a:ext cx="4450089" cy="1868428"/>
             <a:chOff x="941324" y="630475"/>
             <a:chExt cx="4450089" cy="1868428"/>
@@ -3851,7 +3853,7 @@
         </p:blipFill>
         <p:spPr>
           <a:xfrm>
-            <a:off x="941324" y="2528374"/>
+            <a:off x="941324" y="1790938"/>
             <a:ext cx="4450089" cy="1871476"/>
           </a:xfrm>
           <a:prstGeom prst="rect">
@@ -3873,7 +3875,7 @@
         </p:nvSpPr>
         <p:spPr>
           <a:xfrm>
-            <a:off x="1913992" y="2890843"/>
+            <a:off x="1913992" y="2153407"/>
             <a:ext cx="487634" cy="276999"/>
           </a:xfrm>
           <a:prstGeom prst="rect">
@@ -3925,7 +3927,7 @@
         </p:nvSpPr>
         <p:spPr>
           <a:xfrm>
-            <a:off x="3863268" y="2890843"/>
+            <a:off x="3863268" y="2153407"/>
             <a:ext cx="660758" cy="276999"/>
           </a:xfrm>
           <a:prstGeom prst="rect">
@@ -3969,7 +3971,7 @@
         </p:nvCxnSpPr>
         <p:spPr>
           <a:xfrm flipH="1">
-            <a:off x="1985013" y="3177615"/>
+            <a:off x="1985013" y="2440179"/>
             <a:ext cx="172796" cy="257453"/>
           </a:xfrm>
           <a:prstGeom prst="line">
@@ -4005,7 +4007,7 @@
         </p:nvCxnSpPr>
         <p:spPr>
           <a:xfrm flipH="1">
-            <a:off x="4020851" y="3160020"/>
+            <a:off x="4020851" y="2422584"/>
             <a:ext cx="172796" cy="257453"/>
           </a:xfrm>
           <a:prstGeom prst="line">
@@ -4041,7 +4043,7 @@
         </p:nvSpPr>
         <p:spPr>
           <a:xfrm>
-            <a:off x="4627340" y="3021520"/>
+            <a:off x="4627340" y="2284084"/>
             <a:ext cx="692049" cy="276999"/>
           </a:xfrm>
           <a:prstGeom prst="rect">
@@ -4083,7 +4085,7 @@
         </p:nvCxnSpPr>
         <p:spPr>
           <a:xfrm flipH="1">
-            <a:off x="4784923" y="3290697"/>
+            <a:off x="4784923" y="2553261"/>
             <a:ext cx="172796" cy="257453"/>
           </a:xfrm>
           <a:prstGeom prst="line">
@@ -4119,7 +4121,7 @@
         </p:nvSpPr>
         <p:spPr>
           <a:xfrm>
-            <a:off x="1114326" y="3039115"/>
+            <a:off x="1114326" y="2301679"/>
             <a:ext cx="692049" cy="276999"/>
           </a:xfrm>
           <a:prstGeom prst="rect">
@@ -4163,7 +4165,7 @@
         </p:nvCxnSpPr>
         <p:spPr>
           <a:xfrm>
-            <a:off x="1516940" y="3318333"/>
+            <a:off x="1516940" y="2580897"/>
             <a:ext cx="46617" cy="359630"/>
           </a:xfrm>
           <a:prstGeom prst="line">
@@ -4199,7 +4201,7 @@
         </p:nvSpPr>
         <p:spPr>
           <a:xfrm>
-            <a:off x="3099195" y="2894503"/>
+            <a:off x="3099195" y="2157067"/>
             <a:ext cx="692049" cy="276999"/>
           </a:xfrm>
           <a:prstGeom prst="rect">
@@ -4243,7 +4245,7 @@
         </p:nvCxnSpPr>
         <p:spPr>
           <a:xfrm flipH="1">
-            <a:off x="3129357" y="3183809"/>
+            <a:off x="3129357" y="2446373"/>
             <a:ext cx="277319" cy="383344"/>
           </a:xfrm>
           <a:prstGeom prst="line">
@@ -4265,511 +4267,1145 @@
           </a:fontRef>
         </p:style>
       </p:cxnSp>
-      <p:grpSp>
-        <p:nvGrpSpPr>
-          <p:cNvPr id="3" name="Group 2">
-            <a:extLst>
-              <a:ext uri="{FF2B5EF4-FFF2-40B4-BE49-F238E27FC236}">
-                <a16:creationId xmlns:a16="http://schemas.microsoft.com/office/drawing/2014/main" id="{9030CC6B-10C5-A8B3-218B-6D8B2882C74E}"/>
-              </a:ext>
-            </a:extLst>
-          </p:cNvPr>
-          <p:cNvGrpSpPr/>
+      <p:pic>
+        <p:nvPicPr>
+          <p:cNvPr id="18" name="Picture 17" descr="A green line on a white background&#10;&#10;Description automatically generated">
+            <a:extLst>
+              <a:ext uri="{FF2B5EF4-FFF2-40B4-BE49-F238E27FC236}">
+                <a16:creationId xmlns:a16="http://schemas.microsoft.com/office/drawing/2014/main" id="{69BEFF34-B3ED-FD90-C56B-48773EFEC208}"/>
+              </a:ext>
+            </a:extLst>
+          </p:cNvPr>
+          <p:cNvPicPr>
+            <a:picLocks noChangeAspect="1"/>
+          </p:cNvPicPr>
           <p:nvPr/>
-        </p:nvGrpSpPr>
-        <p:grpSpPr>
+        </p:nvPicPr>
+        <p:blipFill>
+          <a:blip r:embed="rId4">
+            <a:extLst>
+              <a:ext uri="{28A0092B-C50C-407E-A947-70E740481C1C}">
+                <a14:useLocalDpi xmlns:a14="http://schemas.microsoft.com/office/drawing/2010/main" val="0"/>
+              </a:ext>
+            </a:extLst>
+          </a:blip>
+          <a:stretch>
+            <a:fillRect/>
+          </a:stretch>
+        </p:blipFill>
+        <p:spPr>
           <a:xfrm>
             <a:off x="941324" y="4429321"/>
             <a:ext cx="4450089" cy="1868428"/>
-            <a:chOff x="941324" y="4429321"/>
-            <a:chExt cx="4450089" cy="1868428"/>
-          </a:xfrm>
-        </p:grpSpPr>
-        <p:pic>
-          <p:nvPicPr>
-            <p:cNvPr id="18" name="Picture 17" descr="A green line on a white background&#10;&#10;Description automatically generated">
-              <a:extLst>
-                <a:ext uri="{FF2B5EF4-FFF2-40B4-BE49-F238E27FC236}">
-                  <a16:creationId xmlns:a16="http://schemas.microsoft.com/office/drawing/2014/main" id="{69BEFF34-B3ED-FD90-C56B-48773EFEC208}"/>
-                </a:ext>
-              </a:extLst>
-            </p:cNvPr>
-            <p:cNvPicPr>
-              <a:picLocks noChangeAspect="1"/>
-            </p:cNvPicPr>
-            <p:nvPr/>
-          </p:nvPicPr>
-          <p:blipFill>
-            <a:blip r:embed="rId4">
-              <a:extLst>
-                <a:ext uri="{28A0092B-C50C-407E-A947-70E740481C1C}">
-                  <a14:useLocalDpi xmlns:a14="http://schemas.microsoft.com/office/drawing/2010/main" val="0"/>
-                </a:ext>
-              </a:extLst>
-            </a:blip>
-            <a:stretch>
-              <a:fillRect/>
-            </a:stretch>
-          </p:blipFill>
-          <p:spPr>
-            <a:xfrm>
-              <a:off x="941324" y="4429321"/>
-              <a:ext cx="4450089" cy="1868428"/>
-            </a:xfrm>
-            <a:prstGeom prst="rect">
-              <a:avLst/>
-            </a:prstGeom>
-          </p:spPr>
-        </p:pic>
-        <p:sp>
-          <p:nvSpPr>
-            <p:cNvPr id="23" name="TextBox 22">
-              <a:extLst>
-                <a:ext uri="{FF2B5EF4-FFF2-40B4-BE49-F238E27FC236}">
-                  <a16:creationId xmlns:a16="http://schemas.microsoft.com/office/drawing/2014/main" id="{77D69F6D-A85C-0495-8A1B-BB3C239B3B2D}"/>
-                </a:ext>
-              </a:extLst>
-            </p:cNvPr>
-            <p:cNvSpPr txBox="1"/>
-            <p:nvPr/>
-          </p:nvSpPr>
-          <p:spPr>
-            <a:xfrm>
-              <a:off x="1855434" y="4900818"/>
-              <a:ext cx="487634" cy="276999"/>
-            </a:xfrm>
-            <a:prstGeom prst="rect">
-              <a:avLst/>
-            </a:prstGeom>
-            <a:noFill/>
-          </p:spPr>
-          <p:txBody>
-            <a:bodyPr wrap="none" rtlCol="0">
-              <a:spAutoFit/>
-            </a:bodyPr>
-            <a:lstStyle/>
-            <a:p>
-              <a:r>
-                <a:rPr lang="en-NZ" sz="1200" dirty="0">
-                  <a:latin typeface="DejaVu Sans "/>
-                  <a:cs typeface="Helvetica" panose="020B0604020202020204" pitchFamily="34" charset="0"/>
-                </a:rPr>
-                <a:t>H</a:t>
-              </a:r>
-              <a:r>
-                <a:rPr lang="en-NZ" sz="1200" baseline="-25000" dirty="0">
-                  <a:latin typeface="DejaVu Sans "/>
-                  <a:cs typeface="Helvetica" panose="020B0604020202020204" pitchFamily="34" charset="0"/>
-                </a:rPr>
-                <a:t>2</a:t>
-              </a:r>
-              <a:r>
-                <a:rPr lang="en-NZ" sz="1200" dirty="0">
-                  <a:latin typeface="DejaVu Sans "/>
-                  <a:cs typeface="Helvetica" panose="020B0604020202020204" pitchFamily="34" charset="0"/>
-                </a:rPr>
-                <a:t>O</a:t>
-              </a:r>
-            </a:p>
-          </p:txBody>
-        </p:sp>
-        <p:sp>
-          <p:nvSpPr>
-            <p:cNvPr id="24" name="TextBox 23">
-              <a:extLst>
-                <a:ext uri="{FF2B5EF4-FFF2-40B4-BE49-F238E27FC236}">
-                  <a16:creationId xmlns:a16="http://schemas.microsoft.com/office/drawing/2014/main" id="{70974379-4CCB-0FE4-75DA-550C2367FF85}"/>
-                </a:ext>
-              </a:extLst>
-            </p:cNvPr>
-            <p:cNvSpPr txBox="1"/>
-            <p:nvPr/>
-          </p:nvSpPr>
-          <p:spPr>
-            <a:xfrm>
-              <a:off x="3863268" y="4762319"/>
-              <a:ext cx="660758" cy="276999"/>
-            </a:xfrm>
-            <a:prstGeom prst="rect">
-              <a:avLst/>
-            </a:prstGeom>
-            <a:noFill/>
-          </p:spPr>
-          <p:txBody>
-            <a:bodyPr wrap="none" rtlCol="0">
-              <a:spAutoFit/>
-            </a:bodyPr>
-            <a:lstStyle/>
-            <a:p>
-              <a:r>
-                <a:rPr lang="en-NZ" sz="1200" dirty="0">
-                  <a:latin typeface="DejaVu Sans "/>
-                  <a:cs typeface="Helvetica" panose="020B0604020202020204" pitchFamily="34" charset="0"/>
-                </a:rPr>
-                <a:t>DMSO</a:t>
-              </a:r>
-              <a:endParaRPr lang="en-NZ" sz="1400" baseline="-25000" dirty="0">
+          </a:xfrm>
+          <a:prstGeom prst="rect">
+            <a:avLst/>
+          </a:prstGeom>
+        </p:spPr>
+      </p:pic>
+      <p:sp>
+        <p:nvSpPr>
+          <p:cNvPr id="23" name="TextBox 22">
+            <a:extLst>
+              <a:ext uri="{FF2B5EF4-FFF2-40B4-BE49-F238E27FC236}">
+                <a16:creationId xmlns:a16="http://schemas.microsoft.com/office/drawing/2014/main" id="{77D69F6D-A85C-0495-8A1B-BB3C239B3B2D}"/>
+              </a:ext>
+            </a:extLst>
+          </p:cNvPr>
+          <p:cNvSpPr txBox="1"/>
+          <p:nvPr/>
+        </p:nvSpPr>
+        <p:spPr>
+          <a:xfrm>
+            <a:off x="1855434" y="4900818"/>
+            <a:ext cx="487634" cy="276999"/>
+          </a:xfrm>
+          <a:prstGeom prst="rect">
+            <a:avLst/>
+          </a:prstGeom>
+          <a:noFill/>
+        </p:spPr>
+        <p:txBody>
+          <a:bodyPr wrap="none" rtlCol="0">
+            <a:spAutoFit/>
+          </a:bodyPr>
+          <a:lstStyle/>
+          <a:p>
+            <a:r>
+              <a:rPr lang="en-NZ" sz="1200" dirty="0">
                 <a:latin typeface="DejaVu Sans "/>
                 <a:cs typeface="Helvetica" panose="020B0604020202020204" pitchFamily="34" charset="0"/>
-              </a:endParaRPr>
-            </a:p>
-          </p:txBody>
-        </p:sp>
-        <p:cxnSp>
-          <p:nvCxnSpPr>
-            <p:cNvPr id="25" name="Straight Connector 24">
-              <a:extLst>
-                <a:ext uri="{FF2B5EF4-FFF2-40B4-BE49-F238E27FC236}">
-                  <a16:creationId xmlns:a16="http://schemas.microsoft.com/office/drawing/2014/main" id="{38F6BD11-D00A-6617-9FB0-AF566E57413A}"/>
-                </a:ext>
-              </a:extLst>
-            </p:cNvPr>
-            <p:cNvCxnSpPr>
-              <a:cxnSpLocks/>
-            </p:cNvCxnSpPr>
-            <p:nvPr/>
-          </p:nvCxnSpPr>
-          <p:spPr>
-            <a:xfrm flipH="1">
-              <a:off x="1926455" y="5177817"/>
-              <a:ext cx="172796" cy="257453"/>
-            </a:xfrm>
-            <a:prstGeom prst="line">
-              <a:avLst/>
-            </a:prstGeom>
-          </p:spPr>
-          <p:style>
-            <a:lnRef idx="1">
-              <a:schemeClr val="dk1"/>
-            </a:lnRef>
-            <a:fillRef idx="0">
-              <a:schemeClr val="dk1"/>
-            </a:fillRef>
-            <a:effectRef idx="0">
-              <a:schemeClr val="dk1"/>
-            </a:effectRef>
-            <a:fontRef idx="minor">
-              <a:schemeClr val="tx1"/>
-            </a:fontRef>
-          </p:style>
-        </p:cxnSp>
-        <p:cxnSp>
-          <p:nvCxnSpPr>
-            <p:cNvPr id="26" name="Straight Connector 25">
-              <a:extLst>
-                <a:ext uri="{FF2B5EF4-FFF2-40B4-BE49-F238E27FC236}">
-                  <a16:creationId xmlns:a16="http://schemas.microsoft.com/office/drawing/2014/main" id="{32E571E4-ED30-9042-4540-794DAA1E2FE5}"/>
-                </a:ext>
-              </a:extLst>
-            </p:cNvPr>
-            <p:cNvCxnSpPr/>
-            <p:nvPr/>
-          </p:nvCxnSpPr>
-          <p:spPr>
-            <a:xfrm flipH="1">
-              <a:off x="4024238" y="5047119"/>
-              <a:ext cx="172796" cy="257453"/>
-            </a:xfrm>
-            <a:prstGeom prst="line">
-              <a:avLst/>
-            </a:prstGeom>
-          </p:spPr>
-          <p:style>
-            <a:lnRef idx="1">
-              <a:schemeClr val="dk1"/>
-            </a:lnRef>
-            <a:fillRef idx="0">
-              <a:schemeClr val="dk1"/>
-            </a:fillRef>
-            <a:effectRef idx="0">
-              <a:schemeClr val="dk1"/>
-            </a:effectRef>
-            <a:fontRef idx="minor">
-              <a:schemeClr val="tx1"/>
-            </a:fontRef>
-          </p:style>
-        </p:cxnSp>
-        <p:sp>
-          <p:nvSpPr>
-            <p:cNvPr id="29" name="TextBox 28">
-              <a:extLst>
-                <a:ext uri="{FF2B5EF4-FFF2-40B4-BE49-F238E27FC236}">
-                  <a16:creationId xmlns:a16="http://schemas.microsoft.com/office/drawing/2014/main" id="{4270C83D-3547-7845-6D01-337B24ADD48C}"/>
-                </a:ext>
-              </a:extLst>
-            </p:cNvPr>
-            <p:cNvSpPr txBox="1"/>
-            <p:nvPr/>
-          </p:nvSpPr>
-          <p:spPr>
-            <a:xfrm>
-              <a:off x="4611694" y="4900818"/>
-              <a:ext cx="692049" cy="276999"/>
-            </a:xfrm>
-            <a:prstGeom prst="rect">
-              <a:avLst/>
-            </a:prstGeom>
-            <a:noFill/>
-          </p:spPr>
-          <p:txBody>
-            <a:bodyPr wrap="none" rtlCol="0">
-              <a:spAutoFit/>
-            </a:bodyPr>
-            <a:lstStyle/>
-            <a:p>
-              <a:r>
-                <a:rPr lang="en-NZ" sz="1200" dirty="0">
-                  <a:latin typeface="DejaVu Sans "/>
-                  <a:cs typeface="Helvetica" panose="020B0604020202020204" pitchFamily="34" charset="0"/>
-                </a:rPr>
-                <a:t>PBASE</a:t>
-              </a:r>
-              <a:endParaRPr lang="en-NZ" sz="1400" baseline="-25000" dirty="0">
+              </a:rPr>
+              <a:t>H</a:t>
+            </a:r>
+            <a:r>
+              <a:rPr lang="en-NZ" sz="1200" baseline="-25000" dirty="0">
                 <a:latin typeface="DejaVu Sans "/>
                 <a:cs typeface="Helvetica" panose="020B0604020202020204" pitchFamily="34" charset="0"/>
-              </a:endParaRPr>
-            </a:p>
-          </p:txBody>
-        </p:sp>
-        <p:cxnSp>
-          <p:nvCxnSpPr>
-            <p:cNvPr id="30" name="Straight Connector 29">
-              <a:extLst>
-                <a:ext uri="{FF2B5EF4-FFF2-40B4-BE49-F238E27FC236}">
-                  <a16:creationId xmlns:a16="http://schemas.microsoft.com/office/drawing/2014/main" id="{CB625075-0CCE-E611-1723-7044C67D6414}"/>
-                </a:ext>
-              </a:extLst>
-            </p:cNvPr>
-            <p:cNvCxnSpPr/>
-            <p:nvPr/>
-          </p:nvCxnSpPr>
-          <p:spPr>
-            <a:xfrm flipH="1">
-              <a:off x="4782278" y="5177817"/>
-              <a:ext cx="172796" cy="257453"/>
-            </a:xfrm>
-            <a:prstGeom prst="line">
-              <a:avLst/>
-            </a:prstGeom>
-          </p:spPr>
-          <p:style>
-            <a:lnRef idx="1">
-              <a:schemeClr val="dk1"/>
-            </a:lnRef>
-            <a:fillRef idx="0">
-              <a:schemeClr val="dk1"/>
-            </a:fillRef>
-            <a:effectRef idx="0">
-              <a:schemeClr val="dk1"/>
-            </a:effectRef>
-            <a:fontRef idx="minor">
-              <a:schemeClr val="tx1"/>
-            </a:fontRef>
-          </p:style>
-        </p:cxnSp>
-        <p:cxnSp>
-          <p:nvCxnSpPr>
-            <p:cNvPr id="31" name="Straight Connector 30">
-              <a:extLst>
-                <a:ext uri="{FF2B5EF4-FFF2-40B4-BE49-F238E27FC236}">
-                  <a16:creationId xmlns:a16="http://schemas.microsoft.com/office/drawing/2014/main" id="{ACF05DC2-1561-0259-AB70-5F704727AB3C}"/>
-                </a:ext>
-              </a:extLst>
-            </p:cNvPr>
-            <p:cNvCxnSpPr>
-              <a:cxnSpLocks/>
-            </p:cNvCxnSpPr>
-            <p:nvPr/>
-          </p:nvCxnSpPr>
-          <p:spPr>
-            <a:xfrm>
-              <a:off x="5014308" y="5180036"/>
-              <a:ext cx="46617" cy="359630"/>
-            </a:xfrm>
-            <a:prstGeom prst="line">
-              <a:avLst/>
-            </a:prstGeom>
-          </p:spPr>
-          <p:style>
-            <a:lnRef idx="1">
-              <a:schemeClr val="dk1"/>
-            </a:lnRef>
-            <a:fillRef idx="0">
-              <a:schemeClr val="dk1"/>
-            </a:fillRef>
-            <a:effectRef idx="0">
-              <a:schemeClr val="dk1"/>
-            </a:effectRef>
-            <a:fontRef idx="minor">
-              <a:schemeClr val="tx1"/>
-            </a:fontRef>
-          </p:style>
-        </p:cxnSp>
-        <p:sp>
-          <p:nvSpPr>
-            <p:cNvPr id="34" name="TextBox 33">
-              <a:extLst>
-                <a:ext uri="{FF2B5EF4-FFF2-40B4-BE49-F238E27FC236}">
-                  <a16:creationId xmlns:a16="http://schemas.microsoft.com/office/drawing/2014/main" id="{8A84614C-A719-7CB4-55FD-553742EBE257}"/>
-                </a:ext>
-              </a:extLst>
-            </p:cNvPr>
-            <p:cNvSpPr txBox="1"/>
-            <p:nvPr/>
-          </p:nvSpPr>
-          <p:spPr>
-            <a:xfrm>
-              <a:off x="1116661" y="4900818"/>
-              <a:ext cx="692049" cy="276999"/>
-            </a:xfrm>
-            <a:prstGeom prst="rect">
-              <a:avLst/>
-            </a:prstGeom>
-            <a:noFill/>
-          </p:spPr>
-          <p:txBody>
-            <a:bodyPr wrap="none" rtlCol="0">
-              <a:spAutoFit/>
-            </a:bodyPr>
-            <a:lstStyle/>
-            <a:p>
-              <a:r>
-                <a:rPr lang="en-NZ" sz="1200" dirty="0">
-                  <a:latin typeface="DejaVu Sans "/>
-                  <a:cs typeface="Helvetica" panose="020B0604020202020204" pitchFamily="34" charset="0"/>
-                </a:rPr>
-                <a:t>PBASE</a:t>
-              </a:r>
-              <a:endParaRPr lang="en-NZ" sz="1400" baseline="-25000" dirty="0">
+              </a:rPr>
+              <a:t>2</a:t>
+            </a:r>
+            <a:r>
+              <a:rPr lang="en-NZ" sz="1200" dirty="0">
                 <a:latin typeface="DejaVu Sans "/>
                 <a:cs typeface="Helvetica" panose="020B0604020202020204" pitchFamily="34" charset="0"/>
-              </a:endParaRPr>
-            </a:p>
-          </p:txBody>
-        </p:sp>
-        <p:cxnSp>
-          <p:nvCxnSpPr>
-            <p:cNvPr id="36" name="Straight Connector 35">
-              <a:extLst>
-                <a:ext uri="{FF2B5EF4-FFF2-40B4-BE49-F238E27FC236}">
-                  <a16:creationId xmlns:a16="http://schemas.microsoft.com/office/drawing/2014/main" id="{33314E0C-7155-9ECE-88A1-732BB5F7BE3F}"/>
-                </a:ext>
-              </a:extLst>
-            </p:cNvPr>
-            <p:cNvCxnSpPr>
-              <a:cxnSpLocks/>
-            </p:cNvCxnSpPr>
-            <p:nvPr/>
-          </p:nvCxnSpPr>
-          <p:spPr>
-            <a:xfrm>
-              <a:off x="1519275" y="5180036"/>
-              <a:ext cx="46617" cy="359630"/>
-            </a:xfrm>
-            <a:prstGeom prst="line">
-              <a:avLst/>
-            </a:prstGeom>
-          </p:spPr>
-          <p:style>
-            <a:lnRef idx="1">
-              <a:schemeClr val="dk1"/>
-            </a:lnRef>
-            <a:fillRef idx="0">
-              <a:schemeClr val="dk1"/>
-            </a:fillRef>
-            <a:effectRef idx="0">
-              <a:schemeClr val="dk1"/>
-            </a:effectRef>
-            <a:fontRef idx="minor">
-              <a:schemeClr val="tx1"/>
-            </a:fontRef>
-          </p:style>
-        </p:cxnSp>
-        <p:sp>
-          <p:nvSpPr>
-            <p:cNvPr id="46" name="TextBox 45">
-              <a:extLst>
-                <a:ext uri="{FF2B5EF4-FFF2-40B4-BE49-F238E27FC236}">
-                  <a16:creationId xmlns:a16="http://schemas.microsoft.com/office/drawing/2014/main" id="{2F0AC968-9BA7-B65E-0EF9-F49115328A41}"/>
-                </a:ext>
-              </a:extLst>
-            </p:cNvPr>
-            <p:cNvSpPr txBox="1"/>
-            <p:nvPr/>
-          </p:nvSpPr>
-          <p:spPr>
-            <a:xfrm>
-              <a:off x="3083549" y="4761603"/>
-              <a:ext cx="692049" cy="276999"/>
-            </a:xfrm>
-            <a:prstGeom prst="rect">
-              <a:avLst/>
-            </a:prstGeom>
-            <a:noFill/>
-          </p:spPr>
-          <p:txBody>
-            <a:bodyPr wrap="none" rtlCol="0">
-              <a:spAutoFit/>
-            </a:bodyPr>
-            <a:lstStyle/>
-            <a:p>
-              <a:r>
-                <a:rPr lang="en-NZ" sz="1200" dirty="0">
-                  <a:latin typeface="DejaVu Sans "/>
-                  <a:cs typeface="Helvetica" panose="020B0604020202020204" pitchFamily="34" charset="0"/>
-                </a:rPr>
-                <a:t>PBASE</a:t>
-              </a:r>
-              <a:endParaRPr lang="en-NZ" sz="1200" baseline="-25000" dirty="0">
+              </a:rPr>
+              <a:t>O</a:t>
+            </a:r>
+          </a:p>
+        </p:txBody>
+      </p:sp>
+      <p:sp>
+        <p:nvSpPr>
+          <p:cNvPr id="24" name="TextBox 23">
+            <a:extLst>
+              <a:ext uri="{FF2B5EF4-FFF2-40B4-BE49-F238E27FC236}">
+                <a16:creationId xmlns:a16="http://schemas.microsoft.com/office/drawing/2014/main" id="{70974379-4CCB-0FE4-75DA-550C2367FF85}"/>
+              </a:ext>
+            </a:extLst>
+          </p:cNvPr>
+          <p:cNvSpPr txBox="1"/>
+          <p:nvPr/>
+        </p:nvSpPr>
+        <p:spPr>
+          <a:xfrm>
+            <a:off x="3863268" y="4762319"/>
+            <a:ext cx="660758" cy="276999"/>
+          </a:xfrm>
+          <a:prstGeom prst="rect">
+            <a:avLst/>
+          </a:prstGeom>
+          <a:noFill/>
+        </p:spPr>
+        <p:txBody>
+          <a:bodyPr wrap="none" rtlCol="0">
+            <a:spAutoFit/>
+          </a:bodyPr>
+          <a:lstStyle/>
+          <a:p>
+            <a:r>
+              <a:rPr lang="en-NZ" sz="1200" dirty="0">
                 <a:latin typeface="DejaVu Sans "/>
                 <a:cs typeface="Helvetica" panose="020B0604020202020204" pitchFamily="34" charset="0"/>
-              </a:endParaRPr>
-            </a:p>
-          </p:txBody>
-        </p:sp>
-        <p:cxnSp>
-          <p:nvCxnSpPr>
-            <p:cNvPr id="47" name="Straight Connector 46">
-              <a:extLst>
-                <a:ext uri="{FF2B5EF4-FFF2-40B4-BE49-F238E27FC236}">
-                  <a16:creationId xmlns:a16="http://schemas.microsoft.com/office/drawing/2014/main" id="{9CA33378-0D9B-BC6D-4EF7-159DF567020C}"/>
-                </a:ext>
-              </a:extLst>
-            </p:cNvPr>
-            <p:cNvCxnSpPr>
-              <a:cxnSpLocks/>
-            </p:cNvCxnSpPr>
-            <p:nvPr/>
-          </p:nvCxnSpPr>
-          <p:spPr>
-            <a:xfrm flipH="1">
-              <a:off x="3126191" y="5038602"/>
-              <a:ext cx="277319" cy="383344"/>
-            </a:xfrm>
-            <a:prstGeom prst="line">
-              <a:avLst/>
-            </a:prstGeom>
-          </p:spPr>
-          <p:style>
-            <a:lnRef idx="1">
-              <a:schemeClr val="dk1"/>
-            </a:lnRef>
-            <a:fillRef idx="0">
-              <a:schemeClr val="dk1"/>
-            </a:fillRef>
-            <a:effectRef idx="0">
-              <a:schemeClr val="dk1"/>
-            </a:effectRef>
-            <a:fontRef idx="minor">
-              <a:schemeClr val="tx1"/>
-            </a:fontRef>
-          </p:style>
-        </p:cxnSp>
-      </p:grpSp>
+              </a:rPr>
+              <a:t>DMSO</a:t>
+            </a:r>
+            <a:endParaRPr lang="en-NZ" sz="1400" baseline="-25000" dirty="0">
+              <a:latin typeface="DejaVu Sans "/>
+              <a:cs typeface="Helvetica" panose="020B0604020202020204" pitchFamily="34" charset="0"/>
+            </a:endParaRPr>
+          </a:p>
+        </p:txBody>
+      </p:sp>
+      <p:cxnSp>
+        <p:nvCxnSpPr>
+          <p:cNvPr id="25" name="Straight Connector 24">
+            <a:extLst>
+              <a:ext uri="{FF2B5EF4-FFF2-40B4-BE49-F238E27FC236}">
+                <a16:creationId xmlns:a16="http://schemas.microsoft.com/office/drawing/2014/main" id="{38F6BD11-D00A-6617-9FB0-AF566E57413A}"/>
+              </a:ext>
+            </a:extLst>
+          </p:cNvPr>
+          <p:cNvCxnSpPr>
+            <a:cxnSpLocks/>
+          </p:cNvCxnSpPr>
+          <p:nvPr/>
+        </p:nvCxnSpPr>
+        <p:spPr>
+          <a:xfrm flipH="1">
+            <a:off x="1926455" y="5177817"/>
+            <a:ext cx="172796" cy="257453"/>
+          </a:xfrm>
+          <a:prstGeom prst="line">
+            <a:avLst/>
+          </a:prstGeom>
+        </p:spPr>
+        <p:style>
+          <a:lnRef idx="1">
+            <a:schemeClr val="dk1"/>
+          </a:lnRef>
+          <a:fillRef idx="0">
+            <a:schemeClr val="dk1"/>
+          </a:fillRef>
+          <a:effectRef idx="0">
+            <a:schemeClr val="dk1"/>
+          </a:effectRef>
+          <a:fontRef idx="minor">
+            <a:schemeClr val="tx1"/>
+          </a:fontRef>
+        </p:style>
+      </p:cxnSp>
+      <p:cxnSp>
+        <p:nvCxnSpPr>
+          <p:cNvPr id="26" name="Straight Connector 25">
+            <a:extLst>
+              <a:ext uri="{FF2B5EF4-FFF2-40B4-BE49-F238E27FC236}">
+                <a16:creationId xmlns:a16="http://schemas.microsoft.com/office/drawing/2014/main" id="{32E571E4-ED30-9042-4540-794DAA1E2FE5}"/>
+              </a:ext>
+            </a:extLst>
+          </p:cNvPr>
+          <p:cNvCxnSpPr/>
+          <p:nvPr/>
+        </p:nvCxnSpPr>
+        <p:spPr>
+          <a:xfrm flipH="1">
+            <a:off x="4024238" y="5047119"/>
+            <a:ext cx="172796" cy="257453"/>
+          </a:xfrm>
+          <a:prstGeom prst="line">
+            <a:avLst/>
+          </a:prstGeom>
+        </p:spPr>
+        <p:style>
+          <a:lnRef idx="1">
+            <a:schemeClr val="dk1"/>
+          </a:lnRef>
+          <a:fillRef idx="0">
+            <a:schemeClr val="dk1"/>
+          </a:fillRef>
+          <a:effectRef idx="0">
+            <a:schemeClr val="dk1"/>
+          </a:effectRef>
+          <a:fontRef idx="minor">
+            <a:schemeClr val="tx1"/>
+          </a:fontRef>
+        </p:style>
+      </p:cxnSp>
+      <p:sp>
+        <p:nvSpPr>
+          <p:cNvPr id="29" name="TextBox 28">
+            <a:extLst>
+              <a:ext uri="{FF2B5EF4-FFF2-40B4-BE49-F238E27FC236}">
+                <a16:creationId xmlns:a16="http://schemas.microsoft.com/office/drawing/2014/main" id="{4270C83D-3547-7845-6D01-337B24ADD48C}"/>
+              </a:ext>
+            </a:extLst>
+          </p:cNvPr>
+          <p:cNvSpPr txBox="1"/>
+          <p:nvPr/>
+        </p:nvSpPr>
+        <p:spPr>
+          <a:xfrm>
+            <a:off x="4611694" y="4900818"/>
+            <a:ext cx="692049" cy="276999"/>
+          </a:xfrm>
+          <a:prstGeom prst="rect">
+            <a:avLst/>
+          </a:prstGeom>
+          <a:noFill/>
+        </p:spPr>
+        <p:txBody>
+          <a:bodyPr wrap="none" rtlCol="0">
+            <a:spAutoFit/>
+          </a:bodyPr>
+          <a:lstStyle/>
+          <a:p>
+            <a:r>
+              <a:rPr lang="en-NZ" sz="1200" dirty="0">
+                <a:latin typeface="DejaVu Sans "/>
+                <a:cs typeface="Helvetica" panose="020B0604020202020204" pitchFamily="34" charset="0"/>
+              </a:rPr>
+              <a:t>PBASE</a:t>
+            </a:r>
+            <a:endParaRPr lang="en-NZ" sz="1400" baseline="-25000" dirty="0">
+              <a:latin typeface="DejaVu Sans "/>
+              <a:cs typeface="Helvetica" panose="020B0604020202020204" pitchFamily="34" charset="0"/>
+            </a:endParaRPr>
+          </a:p>
+        </p:txBody>
+      </p:sp>
+      <p:cxnSp>
+        <p:nvCxnSpPr>
+          <p:cNvPr id="30" name="Straight Connector 29">
+            <a:extLst>
+              <a:ext uri="{FF2B5EF4-FFF2-40B4-BE49-F238E27FC236}">
+                <a16:creationId xmlns:a16="http://schemas.microsoft.com/office/drawing/2014/main" id="{CB625075-0CCE-E611-1723-7044C67D6414}"/>
+              </a:ext>
+            </a:extLst>
+          </p:cNvPr>
+          <p:cNvCxnSpPr/>
+          <p:nvPr/>
+        </p:nvCxnSpPr>
+        <p:spPr>
+          <a:xfrm flipH="1">
+            <a:off x="4782278" y="5177817"/>
+            <a:ext cx="172796" cy="257453"/>
+          </a:xfrm>
+          <a:prstGeom prst="line">
+            <a:avLst/>
+          </a:prstGeom>
+        </p:spPr>
+        <p:style>
+          <a:lnRef idx="1">
+            <a:schemeClr val="dk1"/>
+          </a:lnRef>
+          <a:fillRef idx="0">
+            <a:schemeClr val="dk1"/>
+          </a:fillRef>
+          <a:effectRef idx="0">
+            <a:schemeClr val="dk1"/>
+          </a:effectRef>
+          <a:fontRef idx="minor">
+            <a:schemeClr val="tx1"/>
+          </a:fontRef>
+        </p:style>
+      </p:cxnSp>
+      <p:sp>
+        <p:nvSpPr>
+          <p:cNvPr id="34" name="TextBox 33">
+            <a:extLst>
+              <a:ext uri="{FF2B5EF4-FFF2-40B4-BE49-F238E27FC236}">
+                <a16:creationId xmlns:a16="http://schemas.microsoft.com/office/drawing/2014/main" id="{8A84614C-A719-7CB4-55FD-553742EBE257}"/>
+              </a:ext>
+            </a:extLst>
+          </p:cNvPr>
+          <p:cNvSpPr txBox="1"/>
+          <p:nvPr/>
+        </p:nvSpPr>
+        <p:spPr>
+          <a:xfrm>
+            <a:off x="1116661" y="4900818"/>
+            <a:ext cx="692049" cy="276999"/>
+          </a:xfrm>
+          <a:prstGeom prst="rect">
+            <a:avLst/>
+          </a:prstGeom>
+          <a:noFill/>
+        </p:spPr>
+        <p:txBody>
+          <a:bodyPr wrap="none" rtlCol="0">
+            <a:spAutoFit/>
+          </a:bodyPr>
+          <a:lstStyle/>
+          <a:p>
+            <a:r>
+              <a:rPr lang="en-NZ" sz="1200" dirty="0">
+                <a:latin typeface="DejaVu Sans "/>
+                <a:cs typeface="Helvetica" panose="020B0604020202020204" pitchFamily="34" charset="0"/>
+              </a:rPr>
+              <a:t>PBASE</a:t>
+            </a:r>
+            <a:endParaRPr lang="en-NZ" sz="1400" baseline="-25000" dirty="0">
+              <a:latin typeface="DejaVu Sans "/>
+              <a:cs typeface="Helvetica" panose="020B0604020202020204" pitchFamily="34" charset="0"/>
+            </a:endParaRPr>
+          </a:p>
+        </p:txBody>
+      </p:sp>
+      <p:cxnSp>
+        <p:nvCxnSpPr>
+          <p:cNvPr id="36" name="Straight Connector 35">
+            <a:extLst>
+              <a:ext uri="{FF2B5EF4-FFF2-40B4-BE49-F238E27FC236}">
+                <a16:creationId xmlns:a16="http://schemas.microsoft.com/office/drawing/2014/main" id="{33314E0C-7155-9ECE-88A1-732BB5F7BE3F}"/>
+              </a:ext>
+            </a:extLst>
+          </p:cNvPr>
+          <p:cNvCxnSpPr>
+            <a:cxnSpLocks/>
+          </p:cNvCxnSpPr>
+          <p:nvPr/>
+        </p:nvCxnSpPr>
+        <p:spPr>
+          <a:xfrm>
+            <a:off x="1519275" y="5180036"/>
+            <a:ext cx="46617" cy="359630"/>
+          </a:xfrm>
+          <a:prstGeom prst="line">
+            <a:avLst/>
+          </a:prstGeom>
+        </p:spPr>
+        <p:style>
+          <a:lnRef idx="1">
+            <a:schemeClr val="dk1"/>
+          </a:lnRef>
+          <a:fillRef idx="0">
+            <a:schemeClr val="dk1"/>
+          </a:fillRef>
+          <a:effectRef idx="0">
+            <a:schemeClr val="dk1"/>
+          </a:effectRef>
+          <a:fontRef idx="minor">
+            <a:schemeClr val="tx1"/>
+          </a:fontRef>
+        </p:style>
+      </p:cxnSp>
+      <p:sp>
+        <p:nvSpPr>
+          <p:cNvPr id="46" name="TextBox 45">
+            <a:extLst>
+              <a:ext uri="{FF2B5EF4-FFF2-40B4-BE49-F238E27FC236}">
+                <a16:creationId xmlns:a16="http://schemas.microsoft.com/office/drawing/2014/main" id="{2F0AC968-9BA7-B65E-0EF9-F49115328A41}"/>
+              </a:ext>
+            </a:extLst>
+          </p:cNvPr>
+          <p:cNvSpPr txBox="1"/>
+          <p:nvPr/>
+        </p:nvSpPr>
+        <p:spPr>
+          <a:xfrm>
+            <a:off x="3083549" y="4761603"/>
+            <a:ext cx="692049" cy="276999"/>
+          </a:xfrm>
+          <a:prstGeom prst="rect">
+            <a:avLst/>
+          </a:prstGeom>
+          <a:noFill/>
+        </p:spPr>
+        <p:txBody>
+          <a:bodyPr wrap="none" rtlCol="0">
+            <a:spAutoFit/>
+          </a:bodyPr>
+          <a:lstStyle/>
+          <a:p>
+            <a:r>
+              <a:rPr lang="en-NZ" sz="1200" dirty="0">
+                <a:latin typeface="DejaVu Sans "/>
+                <a:cs typeface="Helvetica" panose="020B0604020202020204" pitchFamily="34" charset="0"/>
+              </a:rPr>
+              <a:t>PBASE</a:t>
+            </a:r>
+            <a:endParaRPr lang="en-NZ" sz="1200" baseline="-25000" dirty="0">
+              <a:latin typeface="DejaVu Sans "/>
+              <a:cs typeface="Helvetica" panose="020B0604020202020204" pitchFamily="34" charset="0"/>
+            </a:endParaRPr>
+          </a:p>
+        </p:txBody>
+      </p:sp>
+      <p:cxnSp>
+        <p:nvCxnSpPr>
+          <p:cNvPr id="47" name="Straight Connector 46">
+            <a:extLst>
+              <a:ext uri="{FF2B5EF4-FFF2-40B4-BE49-F238E27FC236}">
+                <a16:creationId xmlns:a16="http://schemas.microsoft.com/office/drawing/2014/main" id="{9CA33378-0D9B-BC6D-4EF7-159DF567020C}"/>
+              </a:ext>
+            </a:extLst>
+          </p:cNvPr>
+          <p:cNvCxnSpPr>
+            <a:cxnSpLocks/>
+          </p:cNvCxnSpPr>
+          <p:nvPr/>
+        </p:nvCxnSpPr>
+        <p:spPr>
+          <a:xfrm flipH="1">
+            <a:off x="3126191" y="5038602"/>
+            <a:ext cx="277319" cy="383344"/>
+          </a:xfrm>
+          <a:prstGeom prst="line">
+            <a:avLst/>
+          </a:prstGeom>
+        </p:spPr>
+        <p:style>
+          <a:lnRef idx="1">
+            <a:schemeClr val="dk1"/>
+          </a:lnRef>
+          <a:fillRef idx="0">
+            <a:schemeClr val="dk1"/>
+          </a:fillRef>
+          <a:effectRef idx="0">
+            <a:schemeClr val="dk1"/>
+          </a:effectRef>
+          <a:fontRef idx="minor">
+            <a:schemeClr val="tx1"/>
+          </a:fontRef>
+        </p:style>
+      </p:cxnSp>
     </p:spTree>
     <p:extLst>
       <p:ext uri="{BB962C8B-B14F-4D97-AF65-F5344CB8AC3E}">
         <p14:creationId xmlns:p14="http://schemas.microsoft.com/office/powerpoint/2010/main" val="1822608433"/>
+      </p:ext>
+    </p:extLst>
+  </p:cSld>
+  <p:clrMapOvr>
+    <a:masterClrMapping/>
+  </p:clrMapOvr>
+</p:sld>
+</file>
+
+<file path=ppt/slides/slide3.xml><?xml version="1.0" encoding="utf-8"?>
+<p:sld xmlns:a="http://schemas.openxmlformats.org/drawingml/2006/main" xmlns:r="http://schemas.openxmlformats.org/officeDocument/2006/relationships" xmlns:p="http://schemas.openxmlformats.org/presentationml/2006/main">
+  <p:cSld>
+    <p:spTree>
+      <p:nvGrpSpPr>
+        <p:cNvPr id="1" name=""/>
+        <p:cNvGrpSpPr/>
+        <p:nvPr/>
+      </p:nvGrpSpPr>
+      <p:grpSpPr>
+        <a:xfrm>
+          <a:off x="0" y="0"/>
+          <a:ext cx="0" cy="0"/>
+          <a:chOff x="0" y="0"/>
+          <a:chExt cx="0" cy="0"/>
+        </a:xfrm>
+      </p:grpSpPr>
+      <p:pic>
+        <p:nvPicPr>
+          <p:cNvPr id="5" name="Picture 4" descr="A green light on a black surface&#10;&#10;Description automatically generated with medium confidence">
+            <a:extLst>
+              <a:ext uri="{FF2B5EF4-FFF2-40B4-BE49-F238E27FC236}">
+                <a16:creationId xmlns:a16="http://schemas.microsoft.com/office/drawing/2014/main" id="{BA06A390-D27F-38B5-7736-AC41E13E6067}"/>
+              </a:ext>
+            </a:extLst>
+          </p:cNvPr>
+          <p:cNvPicPr>
+            <a:picLocks noChangeAspect="1"/>
+          </p:cNvPicPr>
+          <p:nvPr/>
+        </p:nvPicPr>
+        <p:blipFill>
+          <a:blip r:embed="rId2">
+            <a:extLst>
+              <a:ext uri="{28A0092B-C50C-407E-A947-70E740481C1C}">
+                <a14:useLocalDpi xmlns:a14="http://schemas.microsoft.com/office/drawing/2010/main" val="0"/>
+              </a:ext>
+            </a:extLst>
+          </a:blip>
+          <a:stretch>
+            <a:fillRect/>
+          </a:stretch>
+        </p:blipFill>
+        <p:spPr>
+          <a:xfrm>
+            <a:off x="6150710" y="1487582"/>
+            <a:ext cx="5697414" cy="4290821"/>
+          </a:xfrm>
+          <a:prstGeom prst="rect">
+            <a:avLst/>
+          </a:prstGeom>
+        </p:spPr>
+      </p:pic>
+      <p:pic>
+        <p:nvPicPr>
+          <p:cNvPr id="7" name="Picture 6" descr="A green glowing lines on a black background&#10;&#10;Description automatically generated">
+            <a:extLst>
+              <a:ext uri="{FF2B5EF4-FFF2-40B4-BE49-F238E27FC236}">
+                <a16:creationId xmlns:a16="http://schemas.microsoft.com/office/drawing/2014/main" id="{0CDA3C68-8CD9-76F0-10CA-BDA64BE8FE9B}"/>
+              </a:ext>
+            </a:extLst>
+          </p:cNvPr>
+          <p:cNvPicPr>
+            <a:picLocks noChangeAspect="1"/>
+          </p:cNvPicPr>
+          <p:nvPr/>
+        </p:nvPicPr>
+        <p:blipFill>
+          <a:blip r:embed="rId3">
+            <a:extLst>
+              <a:ext uri="{28A0092B-C50C-407E-A947-70E740481C1C}">
+                <a14:useLocalDpi xmlns:a14="http://schemas.microsoft.com/office/drawing/2010/main" val="0"/>
+              </a:ext>
+            </a:extLst>
+          </a:blip>
+          <a:stretch>
+            <a:fillRect/>
+          </a:stretch>
+        </p:blipFill>
+        <p:spPr>
+          <a:xfrm>
+            <a:off x="343876" y="1487583"/>
+            <a:ext cx="5697415" cy="4290821"/>
+          </a:xfrm>
+          <a:prstGeom prst="rect">
+            <a:avLst/>
+          </a:prstGeom>
+        </p:spPr>
+      </p:pic>
+      <p:sp>
+        <p:nvSpPr>
+          <p:cNvPr id="10" name="TextBox 9">
+            <a:extLst>
+              <a:ext uri="{FF2B5EF4-FFF2-40B4-BE49-F238E27FC236}">
+                <a16:creationId xmlns:a16="http://schemas.microsoft.com/office/drawing/2014/main" id="{BD5B8CB6-5ED9-D7C0-DAE0-2D1EEDE8419F}"/>
+              </a:ext>
+            </a:extLst>
+          </p:cNvPr>
+          <p:cNvSpPr txBox="1"/>
+          <p:nvPr/>
+        </p:nvSpPr>
+        <p:spPr>
+          <a:xfrm>
+            <a:off x="3019454" y="4294090"/>
+            <a:ext cx="1002326" cy="461665"/>
+          </a:xfrm>
+          <a:prstGeom prst="rect">
+            <a:avLst/>
+          </a:prstGeom>
+          <a:noFill/>
+        </p:spPr>
+        <p:txBody>
+          <a:bodyPr wrap="none" rtlCol="0">
+            <a:spAutoFit/>
+          </a:bodyPr>
+          <a:lstStyle/>
+          <a:p>
+            <a:pPr algn="ctr"/>
+            <a:r>
+              <a:rPr lang="en-NZ" sz="2400" dirty="0">
+                <a:solidFill>
+                  <a:schemeClr val="bg1"/>
+                </a:solidFill>
+                <a:latin typeface="DejaVu Sans "/>
+                <a:cs typeface="Helvetica" panose="020B0604020202020204" pitchFamily="34" charset="0"/>
+              </a:rPr>
+              <a:t>Ti/Au</a:t>
+            </a:r>
+          </a:p>
+        </p:txBody>
+      </p:sp>
+      <p:sp>
+        <p:nvSpPr>
+          <p:cNvPr id="11" name="TextBox 10">
+            <a:extLst>
+              <a:ext uri="{FF2B5EF4-FFF2-40B4-BE49-F238E27FC236}">
+                <a16:creationId xmlns:a16="http://schemas.microsoft.com/office/drawing/2014/main" id="{895F5534-C9CB-69A2-A670-A52AE8295A56}"/>
+              </a:ext>
+            </a:extLst>
+          </p:cNvPr>
+          <p:cNvSpPr txBox="1"/>
+          <p:nvPr/>
+        </p:nvSpPr>
+        <p:spPr>
+          <a:xfrm>
+            <a:off x="4718976" y="1767187"/>
+            <a:ext cx="851515" cy="461665"/>
+          </a:xfrm>
+          <a:prstGeom prst="rect">
+            <a:avLst/>
+          </a:prstGeom>
+          <a:noFill/>
+        </p:spPr>
+        <p:txBody>
+          <a:bodyPr wrap="none" rtlCol="0">
+            <a:spAutoFit/>
+          </a:bodyPr>
+          <a:lstStyle/>
+          <a:p>
+            <a:pPr algn="ctr"/>
+            <a:r>
+              <a:rPr lang="en-NZ" sz="2400" dirty="0">
+                <a:solidFill>
+                  <a:schemeClr val="bg1"/>
+                </a:solidFill>
+                <a:latin typeface="DejaVu Sans "/>
+                <a:cs typeface="Helvetica" panose="020B0604020202020204" pitchFamily="34" charset="0"/>
+              </a:rPr>
+              <a:t>SiO</a:t>
+            </a:r>
+            <a:r>
+              <a:rPr lang="en-NZ" sz="2400" baseline="-25000" dirty="0">
+                <a:solidFill>
+                  <a:schemeClr val="bg1"/>
+                </a:solidFill>
+                <a:latin typeface="DejaVu Sans "/>
+                <a:cs typeface="Helvetica" panose="020B0604020202020204" pitchFamily="34" charset="0"/>
+              </a:rPr>
+              <a:t>2</a:t>
+            </a:r>
+          </a:p>
+        </p:txBody>
+      </p:sp>
+      <p:sp>
+        <p:nvSpPr>
+          <p:cNvPr id="13" name="TextBox 12">
+            <a:extLst>
+              <a:ext uri="{FF2B5EF4-FFF2-40B4-BE49-F238E27FC236}">
+                <a16:creationId xmlns:a16="http://schemas.microsoft.com/office/drawing/2014/main" id="{97D1829F-7756-21C3-8CA0-5BD309D60CB8}"/>
+              </a:ext>
+            </a:extLst>
+          </p:cNvPr>
+          <p:cNvSpPr txBox="1"/>
+          <p:nvPr/>
+        </p:nvSpPr>
+        <p:spPr>
+          <a:xfrm>
+            <a:off x="3936754" y="3431787"/>
+            <a:ext cx="1823966" cy="461665"/>
+          </a:xfrm>
+          <a:prstGeom prst="rect">
+            <a:avLst/>
+          </a:prstGeom>
+          <a:noFill/>
+        </p:spPr>
+        <p:txBody>
+          <a:bodyPr wrap="square" rtlCol="0">
+            <a:spAutoFit/>
+          </a:bodyPr>
+          <a:lstStyle/>
+          <a:p>
+            <a:pPr algn="ctr"/>
+            <a:r>
+              <a:rPr lang="en-NZ" sz="2400" dirty="0">
+                <a:solidFill>
+                  <a:schemeClr val="bg1"/>
+                </a:solidFill>
+                <a:latin typeface="DejaVu Sans "/>
+                <a:cs typeface="Helvetica" panose="020B0604020202020204" pitchFamily="34" charset="0"/>
+              </a:rPr>
+              <a:t>Graphene</a:t>
+            </a:r>
+            <a:endParaRPr lang="en-NZ" sz="1200" dirty="0">
+              <a:solidFill>
+                <a:schemeClr val="bg1"/>
+              </a:solidFill>
+              <a:latin typeface="DejaVu Sans "/>
+              <a:cs typeface="Helvetica" panose="020B0604020202020204" pitchFamily="34" charset="0"/>
+            </a:endParaRPr>
+          </a:p>
+        </p:txBody>
+      </p:sp>
+      <p:cxnSp>
+        <p:nvCxnSpPr>
+          <p:cNvPr id="15" name="Straight Connector 14">
+            <a:extLst>
+              <a:ext uri="{FF2B5EF4-FFF2-40B4-BE49-F238E27FC236}">
+                <a16:creationId xmlns:a16="http://schemas.microsoft.com/office/drawing/2014/main" id="{4C1ED31D-E87D-DEAD-646A-A95B5D60301F}"/>
+              </a:ext>
+            </a:extLst>
+          </p:cNvPr>
+          <p:cNvCxnSpPr>
+            <a:cxnSpLocks/>
+            <a:stCxn id="13" idx="1"/>
+          </p:cNvCxnSpPr>
+          <p:nvPr/>
+        </p:nvCxnSpPr>
+        <p:spPr>
+          <a:xfrm flipH="1">
+            <a:off x="3416531" y="3662620"/>
+            <a:ext cx="520223" cy="103045"/>
+          </a:xfrm>
+          <a:prstGeom prst="line">
+            <a:avLst/>
+          </a:prstGeom>
+          <a:ln w="19050">
+            <a:solidFill>
+              <a:schemeClr val="bg1"/>
+            </a:solidFill>
+          </a:ln>
+        </p:spPr>
+        <p:style>
+          <a:lnRef idx="1">
+            <a:schemeClr val="accent1"/>
+          </a:lnRef>
+          <a:fillRef idx="0">
+            <a:schemeClr val="accent1"/>
+          </a:fillRef>
+          <a:effectRef idx="0">
+            <a:schemeClr val="accent1"/>
+          </a:effectRef>
+          <a:fontRef idx="minor">
+            <a:schemeClr val="tx1"/>
+          </a:fontRef>
+        </p:style>
+      </p:cxnSp>
+      <p:cxnSp>
+        <p:nvCxnSpPr>
+          <p:cNvPr id="20" name="Straight Connector 19">
+            <a:extLst>
+              <a:ext uri="{FF2B5EF4-FFF2-40B4-BE49-F238E27FC236}">
+                <a16:creationId xmlns:a16="http://schemas.microsoft.com/office/drawing/2014/main" id="{97975700-990B-AADB-0719-386C435D5737}"/>
+              </a:ext>
+            </a:extLst>
+          </p:cNvPr>
+          <p:cNvCxnSpPr>
+            <a:cxnSpLocks/>
+          </p:cNvCxnSpPr>
+          <p:nvPr/>
+        </p:nvCxnSpPr>
+        <p:spPr>
+          <a:xfrm flipH="1">
+            <a:off x="9425368" y="3581469"/>
+            <a:ext cx="520223" cy="103045"/>
+          </a:xfrm>
+          <a:prstGeom prst="line">
+            <a:avLst/>
+          </a:prstGeom>
+          <a:ln w="19050">
+            <a:solidFill>
+              <a:schemeClr val="bg1"/>
+            </a:solidFill>
+          </a:ln>
+        </p:spPr>
+        <p:style>
+          <a:lnRef idx="1">
+            <a:schemeClr val="accent1"/>
+          </a:lnRef>
+          <a:fillRef idx="0">
+            <a:schemeClr val="accent1"/>
+          </a:fillRef>
+          <a:effectRef idx="0">
+            <a:schemeClr val="accent1"/>
+          </a:effectRef>
+          <a:fontRef idx="minor">
+            <a:schemeClr val="tx1"/>
+          </a:fontRef>
+        </p:style>
+      </p:cxnSp>
+      <p:sp>
+        <p:nvSpPr>
+          <p:cNvPr id="25" name="TextBox 24">
+            <a:extLst>
+              <a:ext uri="{FF2B5EF4-FFF2-40B4-BE49-F238E27FC236}">
+                <a16:creationId xmlns:a16="http://schemas.microsoft.com/office/drawing/2014/main" id="{D964B769-407F-3D7C-943D-0E70F6BA0C9E}"/>
+              </a:ext>
+            </a:extLst>
+          </p:cNvPr>
+          <p:cNvSpPr txBox="1"/>
+          <p:nvPr/>
+        </p:nvSpPr>
+        <p:spPr>
+          <a:xfrm>
+            <a:off x="2488610" y="2475338"/>
+            <a:ext cx="1002326" cy="461665"/>
+          </a:xfrm>
+          <a:prstGeom prst="rect">
+            <a:avLst/>
+          </a:prstGeom>
+          <a:noFill/>
+        </p:spPr>
+        <p:txBody>
+          <a:bodyPr wrap="none" rtlCol="0">
+            <a:spAutoFit/>
+          </a:bodyPr>
+          <a:lstStyle/>
+          <a:p>
+            <a:pPr algn="ctr"/>
+            <a:r>
+              <a:rPr lang="en-NZ" sz="2400" dirty="0">
+                <a:solidFill>
+                  <a:schemeClr val="bg1"/>
+                </a:solidFill>
+                <a:latin typeface="DejaVu Sans "/>
+                <a:cs typeface="Helvetica" panose="020B0604020202020204" pitchFamily="34" charset="0"/>
+              </a:rPr>
+              <a:t>Ti/Au</a:t>
+            </a:r>
+          </a:p>
+        </p:txBody>
+      </p:sp>
+      <p:sp>
+        <p:nvSpPr>
+          <p:cNvPr id="27" name="TextBox 26">
+            <a:extLst>
+              <a:ext uri="{FF2B5EF4-FFF2-40B4-BE49-F238E27FC236}">
+                <a16:creationId xmlns:a16="http://schemas.microsoft.com/office/drawing/2014/main" id="{1DE7BDF3-C6CA-BA60-57C4-13153965309F}"/>
+              </a:ext>
+            </a:extLst>
+          </p:cNvPr>
+          <p:cNvSpPr txBox="1"/>
+          <p:nvPr/>
+        </p:nvSpPr>
+        <p:spPr>
+          <a:xfrm>
+            <a:off x="999944" y="4853415"/>
+            <a:ext cx="851515" cy="461665"/>
+          </a:xfrm>
+          <a:prstGeom prst="rect">
+            <a:avLst/>
+          </a:prstGeom>
+          <a:noFill/>
+        </p:spPr>
+        <p:txBody>
+          <a:bodyPr wrap="none" rtlCol="0">
+            <a:spAutoFit/>
+          </a:bodyPr>
+          <a:lstStyle/>
+          <a:p>
+            <a:pPr algn="ctr"/>
+            <a:r>
+              <a:rPr lang="en-NZ" sz="2400" dirty="0">
+                <a:solidFill>
+                  <a:schemeClr val="bg1"/>
+                </a:solidFill>
+                <a:latin typeface="DejaVu Sans "/>
+                <a:cs typeface="Helvetica" panose="020B0604020202020204" pitchFamily="34" charset="0"/>
+              </a:rPr>
+              <a:t>SiO</a:t>
+            </a:r>
+            <a:r>
+              <a:rPr lang="en-NZ" sz="2400" baseline="-25000" dirty="0">
+                <a:solidFill>
+                  <a:schemeClr val="bg1"/>
+                </a:solidFill>
+                <a:latin typeface="DejaVu Sans "/>
+                <a:cs typeface="Helvetica" panose="020B0604020202020204" pitchFamily="34" charset="0"/>
+              </a:rPr>
+              <a:t>2</a:t>
+            </a:r>
+          </a:p>
+        </p:txBody>
+      </p:sp>
+      <p:sp>
+        <p:nvSpPr>
+          <p:cNvPr id="34" name="TextBox 33">
+            <a:extLst>
+              <a:ext uri="{FF2B5EF4-FFF2-40B4-BE49-F238E27FC236}">
+                <a16:creationId xmlns:a16="http://schemas.microsoft.com/office/drawing/2014/main" id="{66463A44-13F2-096E-311B-1B781353634F}"/>
+              </a:ext>
+            </a:extLst>
+          </p:cNvPr>
+          <p:cNvSpPr txBox="1"/>
+          <p:nvPr/>
+        </p:nvSpPr>
+        <p:spPr>
+          <a:xfrm>
+            <a:off x="9028291" y="4201279"/>
+            <a:ext cx="1002326" cy="461665"/>
+          </a:xfrm>
+          <a:prstGeom prst="rect">
+            <a:avLst/>
+          </a:prstGeom>
+          <a:noFill/>
+        </p:spPr>
+        <p:txBody>
+          <a:bodyPr wrap="none" rtlCol="0">
+            <a:spAutoFit/>
+          </a:bodyPr>
+          <a:lstStyle/>
+          <a:p>
+            <a:pPr algn="ctr"/>
+            <a:r>
+              <a:rPr lang="en-NZ" sz="2400" dirty="0">
+                <a:solidFill>
+                  <a:schemeClr val="bg1"/>
+                </a:solidFill>
+                <a:latin typeface="DejaVu Sans "/>
+                <a:cs typeface="Helvetica" panose="020B0604020202020204" pitchFamily="34" charset="0"/>
+              </a:rPr>
+              <a:t>Ti/Au</a:t>
+            </a:r>
+          </a:p>
+        </p:txBody>
+      </p:sp>
+      <p:sp>
+        <p:nvSpPr>
+          <p:cNvPr id="35" name="TextBox 34">
+            <a:extLst>
+              <a:ext uri="{FF2B5EF4-FFF2-40B4-BE49-F238E27FC236}">
+                <a16:creationId xmlns:a16="http://schemas.microsoft.com/office/drawing/2014/main" id="{02FAACEF-4E8F-9D42-6B2C-4A3E89C03C51}"/>
+              </a:ext>
+            </a:extLst>
+          </p:cNvPr>
+          <p:cNvSpPr txBox="1"/>
+          <p:nvPr/>
+        </p:nvSpPr>
+        <p:spPr>
+          <a:xfrm>
+            <a:off x="10727813" y="1674376"/>
+            <a:ext cx="851515" cy="461665"/>
+          </a:xfrm>
+          <a:prstGeom prst="rect">
+            <a:avLst/>
+          </a:prstGeom>
+          <a:noFill/>
+        </p:spPr>
+        <p:txBody>
+          <a:bodyPr wrap="none" rtlCol="0">
+            <a:spAutoFit/>
+          </a:bodyPr>
+          <a:lstStyle/>
+          <a:p>
+            <a:pPr algn="ctr"/>
+            <a:r>
+              <a:rPr lang="en-NZ" sz="2400" dirty="0">
+                <a:solidFill>
+                  <a:schemeClr val="bg1"/>
+                </a:solidFill>
+                <a:latin typeface="DejaVu Sans "/>
+                <a:cs typeface="Helvetica" panose="020B0604020202020204" pitchFamily="34" charset="0"/>
+              </a:rPr>
+              <a:t>SiO</a:t>
+            </a:r>
+            <a:r>
+              <a:rPr lang="en-NZ" sz="2400" baseline="-25000" dirty="0">
+                <a:solidFill>
+                  <a:schemeClr val="bg1"/>
+                </a:solidFill>
+                <a:latin typeface="DejaVu Sans "/>
+                <a:cs typeface="Helvetica" panose="020B0604020202020204" pitchFamily="34" charset="0"/>
+              </a:rPr>
+              <a:t>2</a:t>
+            </a:r>
+          </a:p>
+        </p:txBody>
+      </p:sp>
+      <p:sp>
+        <p:nvSpPr>
+          <p:cNvPr id="36" name="TextBox 35">
+            <a:extLst>
+              <a:ext uri="{FF2B5EF4-FFF2-40B4-BE49-F238E27FC236}">
+                <a16:creationId xmlns:a16="http://schemas.microsoft.com/office/drawing/2014/main" id="{99CB58AC-C603-5136-2AFA-439516715DF8}"/>
+              </a:ext>
+            </a:extLst>
+          </p:cNvPr>
+          <p:cNvSpPr txBox="1"/>
+          <p:nvPr/>
+        </p:nvSpPr>
+        <p:spPr>
+          <a:xfrm>
+            <a:off x="9945591" y="3338976"/>
+            <a:ext cx="1823966" cy="461665"/>
+          </a:xfrm>
+          <a:prstGeom prst="rect">
+            <a:avLst/>
+          </a:prstGeom>
+          <a:noFill/>
+        </p:spPr>
+        <p:txBody>
+          <a:bodyPr wrap="square" rtlCol="0">
+            <a:spAutoFit/>
+          </a:bodyPr>
+          <a:lstStyle/>
+          <a:p>
+            <a:pPr algn="ctr"/>
+            <a:r>
+              <a:rPr lang="en-NZ" sz="2400" dirty="0">
+                <a:solidFill>
+                  <a:schemeClr val="bg1"/>
+                </a:solidFill>
+                <a:latin typeface="DejaVu Sans "/>
+                <a:cs typeface="Helvetica" panose="020B0604020202020204" pitchFamily="34" charset="0"/>
+              </a:rPr>
+              <a:t>Graphene</a:t>
+            </a:r>
+            <a:endParaRPr lang="en-NZ" sz="1200" dirty="0">
+              <a:solidFill>
+                <a:schemeClr val="bg1"/>
+              </a:solidFill>
+              <a:latin typeface="DejaVu Sans "/>
+              <a:cs typeface="Helvetica" panose="020B0604020202020204" pitchFamily="34" charset="0"/>
+            </a:endParaRPr>
+          </a:p>
+        </p:txBody>
+      </p:sp>
+      <p:sp>
+        <p:nvSpPr>
+          <p:cNvPr id="38" name="TextBox 37">
+            <a:extLst>
+              <a:ext uri="{FF2B5EF4-FFF2-40B4-BE49-F238E27FC236}">
+                <a16:creationId xmlns:a16="http://schemas.microsoft.com/office/drawing/2014/main" id="{AE297912-0666-D825-6757-F9FA0E2ADE14}"/>
+              </a:ext>
+            </a:extLst>
+          </p:cNvPr>
+          <p:cNvSpPr txBox="1"/>
+          <p:nvPr/>
+        </p:nvSpPr>
+        <p:spPr>
+          <a:xfrm>
+            <a:off x="8497447" y="2382527"/>
+            <a:ext cx="1002326" cy="461665"/>
+          </a:xfrm>
+          <a:prstGeom prst="rect">
+            <a:avLst/>
+          </a:prstGeom>
+          <a:noFill/>
+        </p:spPr>
+        <p:txBody>
+          <a:bodyPr wrap="none" rtlCol="0">
+            <a:spAutoFit/>
+          </a:bodyPr>
+          <a:lstStyle/>
+          <a:p>
+            <a:pPr algn="ctr"/>
+            <a:r>
+              <a:rPr lang="en-NZ" sz="2400" dirty="0">
+                <a:solidFill>
+                  <a:schemeClr val="bg1"/>
+                </a:solidFill>
+                <a:latin typeface="DejaVu Sans "/>
+                <a:cs typeface="Helvetica" panose="020B0604020202020204" pitchFamily="34" charset="0"/>
+              </a:rPr>
+              <a:t>Ti/Au</a:t>
+            </a:r>
+          </a:p>
+        </p:txBody>
+      </p:sp>
+      <p:sp>
+        <p:nvSpPr>
+          <p:cNvPr id="39" name="TextBox 38">
+            <a:extLst>
+              <a:ext uri="{FF2B5EF4-FFF2-40B4-BE49-F238E27FC236}">
+                <a16:creationId xmlns:a16="http://schemas.microsoft.com/office/drawing/2014/main" id="{35D92D2E-B05F-78D5-732E-146E0A56AC82}"/>
+              </a:ext>
+            </a:extLst>
+          </p:cNvPr>
+          <p:cNvSpPr txBox="1"/>
+          <p:nvPr/>
+        </p:nvSpPr>
+        <p:spPr>
+          <a:xfrm>
+            <a:off x="7008781" y="4760604"/>
+            <a:ext cx="851515" cy="461665"/>
+          </a:xfrm>
+          <a:prstGeom prst="rect">
+            <a:avLst/>
+          </a:prstGeom>
+          <a:noFill/>
+        </p:spPr>
+        <p:txBody>
+          <a:bodyPr wrap="none" rtlCol="0">
+            <a:spAutoFit/>
+          </a:bodyPr>
+          <a:lstStyle/>
+          <a:p>
+            <a:pPr algn="ctr"/>
+            <a:r>
+              <a:rPr lang="en-NZ" sz="2400" dirty="0">
+                <a:solidFill>
+                  <a:schemeClr val="bg1"/>
+                </a:solidFill>
+                <a:latin typeface="DejaVu Sans "/>
+                <a:cs typeface="Helvetica" panose="020B0604020202020204" pitchFamily="34" charset="0"/>
+              </a:rPr>
+              <a:t>SiO</a:t>
+            </a:r>
+            <a:r>
+              <a:rPr lang="en-NZ" sz="2400" baseline="-25000" dirty="0">
+                <a:solidFill>
+                  <a:schemeClr val="bg1"/>
+                </a:solidFill>
+                <a:latin typeface="DejaVu Sans "/>
+                <a:cs typeface="Helvetica" panose="020B0604020202020204" pitchFamily="34" charset="0"/>
+              </a:rPr>
+              <a:t>2</a:t>
+            </a:r>
+          </a:p>
+        </p:txBody>
+      </p:sp>
+    </p:spTree>
+    <p:extLst>
+      <p:ext uri="{BB962C8B-B14F-4D97-AF65-F5344CB8AC3E}">
+        <p14:creationId xmlns:p14="http://schemas.microsoft.com/office/powerpoint/2010/main" val="80180301"/>
+      </p:ext>
+    </p:extLst>
+  </p:cSld>
+  <p:clrMapOvr>
+    <a:masterClrMapping/>
+  </p:clrMapOvr>
+</p:sld>
+</file>
+
+<file path=ppt/slides/slide4.xml><?xml version="1.0" encoding="utf-8"?>
+<p:sld xmlns:a="http://schemas.openxmlformats.org/drawingml/2006/main" xmlns:r="http://schemas.openxmlformats.org/officeDocument/2006/relationships" xmlns:p="http://schemas.openxmlformats.org/presentationml/2006/main">
+  <p:cSld>
+    <p:spTree>
+      <p:nvGrpSpPr>
+        <p:cNvPr id="1" name=""/>
+        <p:cNvGrpSpPr/>
+        <p:nvPr/>
+      </p:nvGrpSpPr>
+      <p:grpSpPr>
+        <a:xfrm>
+          <a:off x="0" y="0"/>
+          <a:ext cx="0" cy="0"/>
+          <a:chOff x="0" y="0"/>
+          <a:chExt cx="0" cy="0"/>
+        </a:xfrm>
+      </p:grpSpPr>
+    </p:spTree>
+    <p:extLst>
+      <p:ext uri="{BB962C8B-B14F-4D97-AF65-F5344CB8AC3E}">
+        <p14:creationId xmlns:p14="http://schemas.microsoft.com/office/powerpoint/2010/main" val="2561853258"/>
       </p:ext>
     </p:extLst>
   </p:cSld>
